--- a/ppt.pptx
+++ b/ppt.pptx
@@ -4,29 +4,36 @@
   <p:sldMasterIdLst>
     <p:sldMasterId id="2147483648" r:id="rId1"/>
   </p:sldMasterIdLst>
+  <p:notesMasterIdLst>
+    <p:notesMasterId r:id="rId28"/>
+  </p:notesMasterIdLst>
   <p:sldIdLst>
     <p:sldId id="256" r:id="rId2"/>
     <p:sldId id="257" r:id="rId3"/>
-    <p:sldId id="258" r:id="rId4"/>
-    <p:sldId id="269" r:id="rId5"/>
-    <p:sldId id="266" r:id="rId6"/>
-    <p:sldId id="262" r:id="rId7"/>
-    <p:sldId id="259" r:id="rId8"/>
-    <p:sldId id="267" r:id="rId9"/>
-    <p:sldId id="260" r:id="rId10"/>
-    <p:sldId id="268" r:id="rId11"/>
-    <p:sldId id="261" r:id="rId12"/>
-    <p:sldId id="263" r:id="rId13"/>
-    <p:sldId id="264" r:id="rId14"/>
-    <p:sldId id="265" r:id="rId15"/>
-    <p:sldId id="270" r:id="rId16"/>
-    <p:sldId id="271" r:id="rId17"/>
-    <p:sldId id="272" r:id="rId18"/>
-    <p:sldId id="273" r:id="rId19"/>
-    <p:sldId id="274" r:id="rId20"/>
-    <p:sldId id="275" r:id="rId21"/>
-    <p:sldId id="276" r:id="rId22"/>
-    <p:sldId id="277" r:id="rId23"/>
+    <p:sldId id="278" r:id="rId4"/>
+    <p:sldId id="258" r:id="rId5"/>
+    <p:sldId id="269" r:id="rId6"/>
+    <p:sldId id="279" r:id="rId7"/>
+    <p:sldId id="266" r:id="rId8"/>
+    <p:sldId id="262" r:id="rId9"/>
+    <p:sldId id="259" r:id="rId10"/>
+    <p:sldId id="267" r:id="rId11"/>
+    <p:sldId id="260" r:id="rId12"/>
+    <p:sldId id="268" r:id="rId13"/>
+    <p:sldId id="280" r:id="rId14"/>
+    <p:sldId id="261" r:id="rId15"/>
+    <p:sldId id="263" r:id="rId16"/>
+    <p:sldId id="264" r:id="rId17"/>
+    <p:sldId id="265" r:id="rId18"/>
+    <p:sldId id="270" r:id="rId19"/>
+    <p:sldId id="271" r:id="rId20"/>
+    <p:sldId id="272" r:id="rId21"/>
+    <p:sldId id="283" r:id="rId22"/>
+    <p:sldId id="281" r:id="rId23"/>
+    <p:sldId id="274" r:id="rId24"/>
+    <p:sldId id="275" r:id="rId25"/>
+    <p:sldId id="276" r:id="rId26"/>
+    <p:sldId id="277" r:id="rId27"/>
   </p:sldIdLst>
   <p:sldSz cx="9144000" cy="6858000" type="screen4x3"/>
   <p:notesSz cx="6858000" cy="9144000"/>
@@ -142,6 +149,631 @@
     </p:ext>
   </p:extLst>
 </p:presentation>
+</file>
+
+<file path=ppt/revisionInfo.xml><?xml version="1.0" encoding="utf-8"?>
+<p1510:revInfo xmlns:a="http://schemas.openxmlformats.org/drawingml/2006/main" xmlns:r="http://schemas.openxmlformats.org/officeDocument/2006/relationships" xmlns:p1510="http://schemas.microsoft.com/office/powerpoint/2015/10/main">
+  <p1510:revLst>
+    <p1510:client id="{D9CDEE9A-94E7-488E-85E0-BFD4E8A41022}" v="10" dt="2025-08-21T04:51:37.595"/>
+  </p1510:revLst>
+</p1510:revInfo>
+</file>
+
+<file path=ppt/changesInfos/changesInfo1.xml><?xml version="1.0" encoding="utf-8"?>
+<pc:chgInfo xmlns:a="http://schemas.openxmlformats.org/drawingml/2006/main" xmlns:r="http://schemas.openxmlformats.org/officeDocument/2006/relationships" xmlns:ac="http://schemas.microsoft.com/office/drawing/2013/main/command" xmlns:pc="http://schemas.microsoft.com/office/powerpoint/2013/main/command">
+  <pc:docChgLst>
+    <pc:chgData name="sridevi shankar" userId="b247a03eadafb99b" providerId="LiveId" clId="{D9CDEE9A-94E7-488E-85E0-BFD4E8A41022}"/>
+    <pc:docChg chg="custSel addSld delSld modSld sldOrd">
+      <pc:chgData name="sridevi shankar" userId="b247a03eadafb99b" providerId="LiveId" clId="{D9CDEE9A-94E7-488E-85E0-BFD4E8A41022}" dt="2025-08-21T04:53:12.155" v="176" actId="47"/>
+      <pc:docMkLst>
+        <pc:docMk/>
+      </pc:docMkLst>
+      <pc:sldChg chg="modSp mod">
+        <pc:chgData name="sridevi shankar" userId="b247a03eadafb99b" providerId="LiveId" clId="{D9CDEE9A-94E7-488E-85E0-BFD4E8A41022}" dt="2025-08-21T04:52:31.110" v="172" actId="20577"/>
+        <pc:sldMkLst>
+          <pc:docMk/>
+          <pc:sldMk cId="0" sldId="259"/>
+        </pc:sldMkLst>
+        <pc:spChg chg="mod">
+          <ac:chgData name="sridevi shankar" userId="b247a03eadafb99b" providerId="LiveId" clId="{D9CDEE9A-94E7-488E-85E0-BFD4E8A41022}" dt="2025-08-21T04:52:31.110" v="172" actId="20577"/>
+          <ac:spMkLst>
+            <pc:docMk/>
+            <pc:sldMk cId="0" sldId="259"/>
+            <ac:spMk id="3" creationId="{00000000-0000-0000-0000-000000000000}"/>
+          </ac:spMkLst>
+        </pc:spChg>
+      </pc:sldChg>
+      <pc:sldChg chg="modSp mod">
+        <pc:chgData name="sridevi shankar" userId="b247a03eadafb99b" providerId="LiveId" clId="{D9CDEE9A-94E7-488E-85E0-BFD4E8A41022}" dt="2025-08-21T04:41:26.359" v="0" actId="20577"/>
+        <pc:sldMkLst>
+          <pc:docMk/>
+          <pc:sldMk cId="3525676253" sldId="276"/>
+        </pc:sldMkLst>
+        <pc:spChg chg="mod">
+          <ac:chgData name="sridevi shankar" userId="b247a03eadafb99b" providerId="LiveId" clId="{D9CDEE9A-94E7-488E-85E0-BFD4E8A41022}" dt="2025-08-21T04:41:26.359" v="0" actId="20577"/>
+          <ac:spMkLst>
+            <pc:docMk/>
+            <pc:sldMk cId="3525676253" sldId="276"/>
+            <ac:spMk id="3" creationId="{00000000-0000-0000-0000-000000000000}"/>
+          </ac:spMkLst>
+        </pc:spChg>
+      </pc:sldChg>
+      <pc:sldChg chg="ord">
+        <pc:chgData name="sridevi shankar" userId="b247a03eadafb99b" providerId="LiveId" clId="{D9CDEE9A-94E7-488E-85E0-BFD4E8A41022}" dt="2025-08-21T04:52:20.751" v="170"/>
+        <pc:sldMkLst>
+          <pc:docMk/>
+          <pc:sldMk cId="2984633584" sldId="280"/>
+        </pc:sldMkLst>
+      </pc:sldChg>
+      <pc:sldChg chg="addSp delSp modSp mod">
+        <pc:chgData name="sridevi shankar" userId="b247a03eadafb99b" providerId="LiveId" clId="{D9CDEE9A-94E7-488E-85E0-BFD4E8A41022}" dt="2025-08-21T04:51:45.252" v="163" actId="1076"/>
+        <pc:sldMkLst>
+          <pc:docMk/>
+          <pc:sldMk cId="2414294363" sldId="281"/>
+        </pc:sldMkLst>
+        <pc:spChg chg="mod">
+          <ac:chgData name="sridevi shankar" userId="b247a03eadafb99b" providerId="LiveId" clId="{D9CDEE9A-94E7-488E-85E0-BFD4E8A41022}" dt="2025-08-21T04:51:33.718" v="157" actId="20577"/>
+          <ac:spMkLst>
+            <pc:docMk/>
+            <pc:sldMk cId="2414294363" sldId="281"/>
+            <ac:spMk id="2" creationId="{D1F0EE14-0D66-B4AE-B014-327C523AD6A3}"/>
+          </ac:spMkLst>
+        </pc:spChg>
+        <pc:spChg chg="del">
+          <ac:chgData name="sridevi shankar" userId="b247a03eadafb99b" providerId="LiveId" clId="{D9CDEE9A-94E7-488E-85E0-BFD4E8A41022}" dt="2025-08-21T04:51:36.680" v="158" actId="478"/>
+          <ac:spMkLst>
+            <pc:docMk/>
+            <pc:sldMk cId="2414294363" sldId="281"/>
+            <ac:spMk id="3" creationId="{F383A387-D393-C0FD-0F18-885393430F0C}"/>
+          </ac:spMkLst>
+        </pc:spChg>
+        <pc:spChg chg="add del mod">
+          <ac:chgData name="sridevi shankar" userId="b247a03eadafb99b" providerId="LiveId" clId="{D9CDEE9A-94E7-488E-85E0-BFD4E8A41022}" dt="2025-08-21T04:51:37.595" v="159"/>
+          <ac:spMkLst>
+            <pc:docMk/>
+            <pc:sldMk cId="2414294363" sldId="281"/>
+            <ac:spMk id="5" creationId="{51B30A51-0F2E-4011-5E16-98BE360CBA6E}"/>
+          </ac:spMkLst>
+        </pc:spChg>
+        <pc:picChg chg="add mod">
+          <ac:chgData name="sridevi shankar" userId="b247a03eadafb99b" providerId="LiveId" clId="{D9CDEE9A-94E7-488E-85E0-BFD4E8A41022}" dt="2025-08-21T04:51:45.252" v="163" actId="1076"/>
+          <ac:picMkLst>
+            <pc:docMk/>
+            <pc:sldMk cId="2414294363" sldId="281"/>
+            <ac:picMk id="7" creationId="{D1E84F02-1AEC-F0CE-A20F-71BF7CEA2FC4}"/>
+          </ac:picMkLst>
+        </pc:picChg>
+      </pc:sldChg>
+      <pc:sldChg chg="del">
+        <pc:chgData name="sridevi shankar" userId="b247a03eadafb99b" providerId="LiveId" clId="{D9CDEE9A-94E7-488E-85E0-BFD4E8A41022}" dt="2025-08-21T04:51:47.139" v="164" actId="47"/>
+        <pc:sldMkLst>
+          <pc:docMk/>
+          <pc:sldMk cId="787740643" sldId="282"/>
+        </pc:sldMkLst>
+      </pc:sldChg>
+      <pc:sldChg chg="addSp delSp modSp new mod">
+        <pc:chgData name="sridevi shankar" userId="b247a03eadafb99b" providerId="LiveId" clId="{D9CDEE9A-94E7-488E-85E0-BFD4E8A41022}" dt="2025-08-21T04:51:57.684" v="168" actId="1076"/>
+        <pc:sldMkLst>
+          <pc:docMk/>
+          <pc:sldMk cId="3325880071" sldId="283"/>
+        </pc:sldMkLst>
+        <pc:spChg chg="mod">
+          <ac:chgData name="sridevi shankar" userId="b247a03eadafb99b" providerId="LiveId" clId="{D9CDEE9A-94E7-488E-85E0-BFD4E8A41022}" dt="2025-08-21T04:51:57.684" v="168" actId="1076"/>
+          <ac:spMkLst>
+            <pc:docMk/>
+            <pc:sldMk cId="3325880071" sldId="283"/>
+            <ac:spMk id="2" creationId="{D4A749A6-86D2-B826-2E5C-B2876A847FA6}"/>
+          </ac:spMkLst>
+        </pc:spChg>
+        <pc:spChg chg="del mod">
+          <ac:chgData name="sridevi shankar" userId="b247a03eadafb99b" providerId="LiveId" clId="{D9CDEE9A-94E7-488E-85E0-BFD4E8A41022}" dt="2025-08-21T04:49:22.079" v="77" actId="478"/>
+          <ac:spMkLst>
+            <pc:docMk/>
+            <pc:sldMk cId="3325880071" sldId="283"/>
+            <ac:spMk id="3" creationId="{2C0A19C0-3FCF-C3DB-005B-240286FAF13F}"/>
+          </ac:spMkLst>
+        </pc:spChg>
+        <pc:spChg chg="add">
+          <ac:chgData name="sridevi shankar" userId="b247a03eadafb99b" providerId="LiveId" clId="{D9CDEE9A-94E7-488E-85E0-BFD4E8A41022}" dt="2025-08-21T04:44:45.352" v="28"/>
+          <ac:spMkLst>
+            <pc:docMk/>
+            <pc:sldMk cId="3325880071" sldId="283"/>
+            <ac:spMk id="4" creationId="{75986ED6-3956-29C4-7447-5F9516542F31}"/>
+          </ac:spMkLst>
+        </pc:spChg>
+        <pc:spChg chg="add">
+          <ac:chgData name="sridevi shankar" userId="b247a03eadafb99b" providerId="LiveId" clId="{D9CDEE9A-94E7-488E-85E0-BFD4E8A41022}" dt="2025-08-21T04:44:45.352" v="28"/>
+          <ac:spMkLst>
+            <pc:docMk/>
+            <pc:sldMk cId="3325880071" sldId="283"/>
+            <ac:spMk id="5" creationId="{EF37CEC1-5D5D-9913-BBE8-6F84131C72BE}"/>
+          </ac:spMkLst>
+        </pc:spChg>
+        <pc:spChg chg="add">
+          <ac:chgData name="sridevi shankar" userId="b247a03eadafb99b" providerId="LiveId" clId="{D9CDEE9A-94E7-488E-85E0-BFD4E8A41022}" dt="2025-08-21T04:44:56.068" v="29"/>
+          <ac:spMkLst>
+            <pc:docMk/>
+            <pc:sldMk cId="3325880071" sldId="283"/>
+            <ac:spMk id="6" creationId="{6412B05C-CC2F-AE9C-46D7-902C4A4B713C}"/>
+          </ac:spMkLst>
+        </pc:spChg>
+        <pc:spChg chg="add">
+          <ac:chgData name="sridevi shankar" userId="b247a03eadafb99b" providerId="LiveId" clId="{D9CDEE9A-94E7-488E-85E0-BFD4E8A41022}" dt="2025-08-21T04:44:56.068" v="29"/>
+          <ac:spMkLst>
+            <pc:docMk/>
+            <pc:sldMk cId="3325880071" sldId="283"/>
+            <ac:spMk id="7" creationId="{5585278D-5D62-A55E-1F96-8E3DFCD64269}"/>
+          </ac:spMkLst>
+        </pc:spChg>
+        <pc:spChg chg="add del mod">
+          <ac:chgData name="sridevi shankar" userId="b247a03eadafb99b" providerId="LiveId" clId="{D9CDEE9A-94E7-488E-85E0-BFD4E8A41022}" dt="2025-08-21T04:49:36.147" v="81"/>
+          <ac:spMkLst>
+            <pc:docMk/>
+            <pc:sldMk cId="3325880071" sldId="283"/>
+            <ac:spMk id="9" creationId="{0700501B-223D-C871-0E8C-41EF0ACB1D2C}"/>
+          </ac:spMkLst>
+        </pc:spChg>
+        <pc:spChg chg="add mod">
+          <ac:chgData name="sridevi shankar" userId="b247a03eadafb99b" providerId="LiveId" clId="{D9CDEE9A-94E7-488E-85E0-BFD4E8A41022}" dt="2025-08-21T04:49:30.262" v="80"/>
+          <ac:spMkLst>
+            <pc:docMk/>
+            <pc:sldMk cId="3325880071" sldId="283"/>
+            <ac:spMk id="10" creationId="{6AA69FE0-0A30-1F6B-E9F9-DDDA3B8A17E7}"/>
+          </ac:spMkLst>
+        </pc:spChg>
+        <pc:picChg chg="add mod">
+          <ac:chgData name="sridevi shankar" userId="b247a03eadafb99b" providerId="LiveId" clId="{D9CDEE9A-94E7-488E-85E0-BFD4E8A41022}" dt="2025-08-21T04:51:51.781" v="166" actId="1076"/>
+          <ac:picMkLst>
+            <pc:docMk/>
+            <pc:sldMk cId="3325880071" sldId="283"/>
+            <ac:picMk id="12" creationId="{DB33C138-1540-40B5-EA41-671E03A6DB79}"/>
+          </ac:picMkLst>
+        </pc:picChg>
+      </pc:sldChg>
+      <pc:sldChg chg="new del ord">
+        <pc:chgData name="sridevi shankar" userId="b247a03eadafb99b" providerId="LiveId" clId="{D9CDEE9A-94E7-488E-85E0-BFD4E8A41022}" dt="2025-08-21T04:53:12.155" v="176" actId="47"/>
+        <pc:sldMkLst>
+          <pc:docMk/>
+          <pc:sldMk cId="1894427740" sldId="284"/>
+        </pc:sldMkLst>
+      </pc:sldChg>
+    </pc:docChg>
+  </pc:docChgLst>
+</pc:chgInfo>
+</file>
+
+<file path=ppt/notesMasters/notesMaster1.xml><?xml version="1.0" encoding="utf-8"?>
+<p:notesMaster xmlns:a="http://schemas.openxmlformats.org/drawingml/2006/main" xmlns:r="http://schemas.openxmlformats.org/officeDocument/2006/relationships" xmlns:p="http://schemas.openxmlformats.org/presentationml/2006/main">
+  <p:cSld>
+    <p:bg>
+      <p:bgRef idx="1001">
+        <a:schemeClr val="bg1"/>
+      </p:bgRef>
+    </p:bg>
+    <p:spTree>
+      <p:nvGrpSpPr>
+        <p:cNvPr id="1" name=""/>
+        <p:cNvGrpSpPr/>
+        <p:nvPr/>
+      </p:nvGrpSpPr>
+      <p:grpSpPr>
+        <a:xfrm>
+          <a:off x="0" y="0"/>
+          <a:ext cx="0" cy="0"/>
+          <a:chOff x="0" y="0"/>
+          <a:chExt cx="0" cy="0"/>
+        </a:xfrm>
+      </p:grpSpPr>
+      <p:sp>
+        <p:nvSpPr>
+          <p:cNvPr id="2" name="Header Placeholder 1"/>
+          <p:cNvSpPr>
+            <a:spLocks noGrp="1"/>
+          </p:cNvSpPr>
+          <p:nvPr>
+            <p:ph type="hdr" sz="quarter"/>
+          </p:nvPr>
+        </p:nvSpPr>
+        <p:spPr>
+          <a:xfrm>
+            <a:off x="0" y="0"/>
+            <a:ext cx="2971800" cy="458788"/>
+          </a:xfrm>
+          <a:prstGeom prst="rect">
+            <a:avLst/>
+          </a:prstGeom>
+        </p:spPr>
+        <p:txBody>
+          <a:bodyPr vert="horz" lIns="91440" tIns="45720" rIns="91440" bIns="45720" rtlCol="0"/>
+          <a:lstStyle>
+            <a:lvl1pPr algn="l">
+              <a:defRPr sz="1200"/>
+            </a:lvl1pPr>
+          </a:lstStyle>
+          <a:p>
+            <a:endParaRPr lang="en-IN"/>
+          </a:p>
+        </p:txBody>
+      </p:sp>
+      <p:sp>
+        <p:nvSpPr>
+          <p:cNvPr id="3" name="Date Placeholder 2"/>
+          <p:cNvSpPr>
+            <a:spLocks noGrp="1"/>
+          </p:cNvSpPr>
+          <p:nvPr>
+            <p:ph type="dt" idx="1"/>
+          </p:nvPr>
+        </p:nvSpPr>
+        <p:spPr>
+          <a:xfrm>
+            <a:off x="3884613" y="0"/>
+            <a:ext cx="2971800" cy="458788"/>
+          </a:xfrm>
+          <a:prstGeom prst="rect">
+            <a:avLst/>
+          </a:prstGeom>
+        </p:spPr>
+        <p:txBody>
+          <a:bodyPr vert="horz" lIns="91440" tIns="45720" rIns="91440" bIns="45720" rtlCol="0"/>
+          <a:lstStyle>
+            <a:lvl1pPr algn="r">
+              <a:defRPr sz="1200"/>
+            </a:lvl1pPr>
+          </a:lstStyle>
+          <a:p>
+            <a:fld id="{DA0364AA-DB24-46DB-87FD-2E598FDC9898}" type="datetimeFigureOut">
+              <a:rPr lang="en-IN" smtClean="0"/>
+              <a:t>21-08-2025</a:t>
+            </a:fld>
+            <a:endParaRPr lang="en-IN"/>
+          </a:p>
+        </p:txBody>
+      </p:sp>
+      <p:sp>
+        <p:nvSpPr>
+          <p:cNvPr id="4" name="Slide Image Placeholder 3"/>
+          <p:cNvSpPr>
+            <a:spLocks noGrp="1" noRot="1" noChangeAspect="1"/>
+          </p:cNvSpPr>
+          <p:nvPr>
+            <p:ph type="sldImg" idx="2"/>
+          </p:nvPr>
+        </p:nvSpPr>
+        <p:spPr>
+          <a:xfrm>
+            <a:off x="1371600" y="1143000"/>
+            <a:ext cx="4114800" cy="3086100"/>
+          </a:xfrm>
+          <a:prstGeom prst="rect">
+            <a:avLst/>
+          </a:prstGeom>
+          <a:noFill/>
+          <a:ln w="12700">
+            <a:solidFill>
+              <a:prstClr val="black"/>
+            </a:solidFill>
+          </a:ln>
+        </p:spPr>
+        <p:txBody>
+          <a:bodyPr vert="horz" lIns="91440" tIns="45720" rIns="91440" bIns="45720" rtlCol="0" anchor="ctr"/>
+          <a:lstStyle/>
+          <a:p>
+            <a:endParaRPr lang="en-IN"/>
+          </a:p>
+        </p:txBody>
+      </p:sp>
+      <p:sp>
+        <p:nvSpPr>
+          <p:cNvPr id="5" name="Notes Placeholder 4"/>
+          <p:cNvSpPr>
+            <a:spLocks noGrp="1"/>
+          </p:cNvSpPr>
+          <p:nvPr>
+            <p:ph type="body" sz="quarter" idx="3"/>
+          </p:nvPr>
+        </p:nvSpPr>
+        <p:spPr>
+          <a:xfrm>
+            <a:off x="685800" y="4400550"/>
+            <a:ext cx="5486400" cy="3600450"/>
+          </a:xfrm>
+          <a:prstGeom prst="rect">
+            <a:avLst/>
+          </a:prstGeom>
+        </p:spPr>
+        <p:txBody>
+          <a:bodyPr vert="horz" lIns="91440" tIns="45720" rIns="91440" bIns="45720" rtlCol="0"/>
+          <a:lstStyle/>
+          <a:p>
+            <a:pPr lvl="0"/>
+            <a:r>
+              <a:rPr lang="en-US"/>
+              <a:t>Click to edit Master text styles</a:t>
+            </a:r>
+          </a:p>
+          <a:p>
+            <a:pPr lvl="1"/>
+            <a:r>
+              <a:rPr lang="en-US"/>
+              <a:t>Second level</a:t>
+            </a:r>
+          </a:p>
+          <a:p>
+            <a:pPr lvl="2"/>
+            <a:r>
+              <a:rPr lang="en-US"/>
+              <a:t>Third level</a:t>
+            </a:r>
+          </a:p>
+          <a:p>
+            <a:pPr lvl="3"/>
+            <a:r>
+              <a:rPr lang="en-US"/>
+              <a:t>Fourth level</a:t>
+            </a:r>
+          </a:p>
+          <a:p>
+            <a:pPr lvl="4"/>
+            <a:r>
+              <a:rPr lang="en-US"/>
+              <a:t>Fifth level</a:t>
+            </a:r>
+            <a:endParaRPr lang="en-IN"/>
+          </a:p>
+        </p:txBody>
+      </p:sp>
+      <p:sp>
+        <p:nvSpPr>
+          <p:cNvPr id="6" name="Footer Placeholder 5"/>
+          <p:cNvSpPr>
+            <a:spLocks noGrp="1"/>
+          </p:cNvSpPr>
+          <p:nvPr>
+            <p:ph type="ftr" sz="quarter" idx="4"/>
+          </p:nvPr>
+        </p:nvSpPr>
+        <p:spPr>
+          <a:xfrm>
+            <a:off x="0" y="8685213"/>
+            <a:ext cx="2971800" cy="458787"/>
+          </a:xfrm>
+          <a:prstGeom prst="rect">
+            <a:avLst/>
+          </a:prstGeom>
+        </p:spPr>
+        <p:txBody>
+          <a:bodyPr vert="horz" lIns="91440" tIns="45720" rIns="91440" bIns="45720" rtlCol="0" anchor="b"/>
+          <a:lstStyle>
+            <a:lvl1pPr algn="l">
+              <a:defRPr sz="1200"/>
+            </a:lvl1pPr>
+          </a:lstStyle>
+          <a:p>
+            <a:endParaRPr lang="en-IN"/>
+          </a:p>
+        </p:txBody>
+      </p:sp>
+      <p:sp>
+        <p:nvSpPr>
+          <p:cNvPr id="7" name="Slide Number Placeholder 6"/>
+          <p:cNvSpPr>
+            <a:spLocks noGrp="1"/>
+          </p:cNvSpPr>
+          <p:nvPr>
+            <p:ph type="sldNum" sz="quarter" idx="5"/>
+          </p:nvPr>
+        </p:nvSpPr>
+        <p:spPr>
+          <a:xfrm>
+            <a:off x="3884613" y="8685213"/>
+            <a:ext cx="2971800" cy="458787"/>
+          </a:xfrm>
+          <a:prstGeom prst="rect">
+            <a:avLst/>
+          </a:prstGeom>
+        </p:spPr>
+        <p:txBody>
+          <a:bodyPr vert="horz" lIns="91440" tIns="45720" rIns="91440" bIns="45720" rtlCol="0" anchor="b"/>
+          <a:lstStyle>
+            <a:lvl1pPr algn="r">
+              <a:defRPr sz="1200"/>
+            </a:lvl1pPr>
+          </a:lstStyle>
+          <a:p>
+            <a:fld id="{FC823C45-DAF0-44EC-92DF-51FE91037855}" type="slidenum">
+              <a:rPr lang="en-IN" smtClean="0"/>
+              <a:t>‹#›</a:t>
+            </a:fld>
+            <a:endParaRPr lang="en-IN"/>
+          </a:p>
+        </p:txBody>
+      </p:sp>
+    </p:spTree>
+    <p:extLst>
+      <p:ext uri="{BB962C8B-B14F-4D97-AF65-F5344CB8AC3E}">
+        <p14:creationId xmlns:p14="http://schemas.microsoft.com/office/powerpoint/2010/main" val="1905589359"/>
+      </p:ext>
+    </p:extLst>
+  </p:cSld>
+  <p:clrMap bg1="lt1" tx1="dk1" bg2="lt2" tx2="dk2" accent1="accent1" accent2="accent2" accent3="accent3" accent4="accent4" accent5="accent5" accent6="accent6" hlink="hlink" folHlink="folHlink"/>
+  <p:notesStyle>
+    <a:lvl1pPr marL="0" algn="l" defTabSz="914400" rtl="0" eaLnBrk="1" latinLnBrk="0" hangingPunct="1">
+      <a:defRPr sz="1200" kern="1200">
+        <a:solidFill>
+          <a:schemeClr val="tx1"/>
+        </a:solidFill>
+        <a:latin typeface="+mn-lt"/>
+        <a:ea typeface="+mn-ea"/>
+        <a:cs typeface="+mn-cs"/>
+      </a:defRPr>
+    </a:lvl1pPr>
+    <a:lvl2pPr marL="457200" algn="l" defTabSz="914400" rtl="0" eaLnBrk="1" latinLnBrk="0" hangingPunct="1">
+      <a:defRPr sz="1200" kern="1200">
+        <a:solidFill>
+          <a:schemeClr val="tx1"/>
+        </a:solidFill>
+        <a:latin typeface="+mn-lt"/>
+        <a:ea typeface="+mn-ea"/>
+        <a:cs typeface="+mn-cs"/>
+      </a:defRPr>
+    </a:lvl2pPr>
+    <a:lvl3pPr marL="914400" algn="l" defTabSz="914400" rtl="0" eaLnBrk="1" latinLnBrk="0" hangingPunct="1">
+      <a:defRPr sz="1200" kern="1200">
+        <a:solidFill>
+          <a:schemeClr val="tx1"/>
+        </a:solidFill>
+        <a:latin typeface="+mn-lt"/>
+        <a:ea typeface="+mn-ea"/>
+        <a:cs typeface="+mn-cs"/>
+      </a:defRPr>
+    </a:lvl3pPr>
+    <a:lvl4pPr marL="1371600" algn="l" defTabSz="914400" rtl="0" eaLnBrk="1" latinLnBrk="0" hangingPunct="1">
+      <a:defRPr sz="1200" kern="1200">
+        <a:solidFill>
+          <a:schemeClr val="tx1"/>
+        </a:solidFill>
+        <a:latin typeface="+mn-lt"/>
+        <a:ea typeface="+mn-ea"/>
+        <a:cs typeface="+mn-cs"/>
+      </a:defRPr>
+    </a:lvl4pPr>
+    <a:lvl5pPr marL="1828800" algn="l" defTabSz="914400" rtl="0" eaLnBrk="1" latinLnBrk="0" hangingPunct="1">
+      <a:defRPr sz="1200" kern="1200">
+        <a:solidFill>
+          <a:schemeClr val="tx1"/>
+        </a:solidFill>
+        <a:latin typeface="+mn-lt"/>
+        <a:ea typeface="+mn-ea"/>
+        <a:cs typeface="+mn-cs"/>
+      </a:defRPr>
+    </a:lvl5pPr>
+    <a:lvl6pPr marL="2286000" algn="l" defTabSz="914400" rtl="0" eaLnBrk="1" latinLnBrk="0" hangingPunct="1">
+      <a:defRPr sz="1200" kern="1200">
+        <a:solidFill>
+          <a:schemeClr val="tx1"/>
+        </a:solidFill>
+        <a:latin typeface="+mn-lt"/>
+        <a:ea typeface="+mn-ea"/>
+        <a:cs typeface="+mn-cs"/>
+      </a:defRPr>
+    </a:lvl6pPr>
+    <a:lvl7pPr marL="2743200" algn="l" defTabSz="914400" rtl="0" eaLnBrk="1" latinLnBrk="0" hangingPunct="1">
+      <a:defRPr sz="1200" kern="1200">
+        <a:solidFill>
+          <a:schemeClr val="tx1"/>
+        </a:solidFill>
+        <a:latin typeface="+mn-lt"/>
+        <a:ea typeface="+mn-ea"/>
+        <a:cs typeface="+mn-cs"/>
+      </a:defRPr>
+    </a:lvl7pPr>
+    <a:lvl8pPr marL="3200400" algn="l" defTabSz="914400" rtl="0" eaLnBrk="1" latinLnBrk="0" hangingPunct="1">
+      <a:defRPr sz="1200" kern="1200">
+        <a:solidFill>
+          <a:schemeClr val="tx1"/>
+        </a:solidFill>
+        <a:latin typeface="+mn-lt"/>
+        <a:ea typeface="+mn-ea"/>
+        <a:cs typeface="+mn-cs"/>
+      </a:defRPr>
+    </a:lvl8pPr>
+    <a:lvl9pPr marL="3657600" algn="l" defTabSz="914400" rtl="0" eaLnBrk="1" latinLnBrk="0" hangingPunct="1">
+      <a:defRPr sz="1200" kern="1200">
+        <a:solidFill>
+          <a:schemeClr val="tx1"/>
+        </a:solidFill>
+        <a:latin typeface="+mn-lt"/>
+        <a:ea typeface="+mn-ea"/>
+        <a:cs typeface="+mn-cs"/>
+      </a:defRPr>
+    </a:lvl9pPr>
+  </p:notesStyle>
+</p:notesMaster>
+</file>
+
+<file path=ppt/notesSlides/notesSlide1.xml><?xml version="1.0" encoding="utf-8"?>
+<p:notes xmlns:a="http://schemas.openxmlformats.org/drawingml/2006/main" xmlns:r="http://schemas.openxmlformats.org/officeDocument/2006/relationships" xmlns:p="http://schemas.openxmlformats.org/presentationml/2006/main">
+  <p:cSld>
+    <p:spTree>
+      <p:nvGrpSpPr>
+        <p:cNvPr id="1" name=""/>
+        <p:cNvGrpSpPr/>
+        <p:nvPr/>
+      </p:nvGrpSpPr>
+      <p:grpSpPr>
+        <a:xfrm>
+          <a:off x="0" y="0"/>
+          <a:ext cx="0" cy="0"/>
+          <a:chOff x="0" y="0"/>
+          <a:chExt cx="0" cy="0"/>
+        </a:xfrm>
+      </p:grpSpPr>
+      <p:sp>
+        <p:nvSpPr>
+          <p:cNvPr id="2" name="Slide Image Placeholder 1"/>
+          <p:cNvSpPr>
+            <a:spLocks noGrp="1" noRot="1" noChangeAspect="1"/>
+          </p:cNvSpPr>
+          <p:nvPr>
+            <p:ph type="sldImg"/>
+          </p:nvPr>
+        </p:nvSpPr>
+        <p:spPr/>
+      </p:sp>
+      <p:sp>
+        <p:nvSpPr>
+          <p:cNvPr id="3" name="Notes Placeholder 2"/>
+          <p:cNvSpPr>
+            <a:spLocks noGrp="1"/>
+          </p:cNvSpPr>
+          <p:nvPr>
+            <p:ph type="body" idx="1"/>
+          </p:nvPr>
+        </p:nvSpPr>
+        <p:spPr/>
+        <p:txBody>
+          <a:bodyPr/>
+          <a:lstStyle/>
+          <a:p>
+            <a:endParaRPr lang="en-IN" dirty="0"/>
+          </a:p>
+        </p:txBody>
+      </p:sp>
+      <p:sp>
+        <p:nvSpPr>
+          <p:cNvPr id="4" name="Slide Number Placeholder 3"/>
+          <p:cNvSpPr>
+            <a:spLocks noGrp="1"/>
+          </p:cNvSpPr>
+          <p:nvPr>
+            <p:ph type="sldNum" sz="quarter" idx="5"/>
+          </p:nvPr>
+        </p:nvSpPr>
+        <p:spPr/>
+        <p:txBody>
+          <a:bodyPr/>
+          <a:lstStyle/>
+          <a:p>
+            <a:fld id="{FC823C45-DAF0-44EC-92DF-51FE91037855}" type="slidenum">
+              <a:rPr lang="en-IN" smtClean="0"/>
+              <a:t>2</a:t>
+            </a:fld>
+            <a:endParaRPr lang="en-IN"/>
+          </a:p>
+        </p:txBody>
+      </p:sp>
+    </p:spTree>
+    <p:extLst>
+      <p:ext uri="{BB962C8B-B14F-4D97-AF65-F5344CB8AC3E}">
+        <p14:creationId xmlns:p14="http://schemas.microsoft.com/office/powerpoint/2010/main" val="1096937560"/>
+      </p:ext>
+    </p:extLst>
+  </p:cSld>
+  <p:clrMapOvr>
+    <a:masterClrMapping/>
+  </p:clrMapOvr>
+</p:notes>
 </file>
 
 <file path=ppt/slideLayouts/slideLayout1.xml><?xml version="1.0" encoding="utf-8"?>
@@ -3129,6 +3761,7 @@
           <a:lstStyle/>
           <a:p>
             <a:r>
+              <a:rPr dirty="0"/>
               <a:t>Deep Ultrasound Denoising Using Diffusion Probabilistic Models</a:t>
             </a:r>
           </a:p>
@@ -3196,7 +3829,7 @@
           <a:lstStyle/>
           <a:p>
             <a:r>
-              <a:t>Inverse Process Equation</a:t>
+              <a:t>Forward Process Equation</a:t>
             </a:r>
           </a:p>
         </p:txBody>
@@ -3213,37 +3846,62 @@
         </p:nvSpPr>
         <p:spPr/>
         <p:txBody>
-          <a:bodyPr/>
-          <a:lstStyle/>
-          <a:p>
-            <a:r>
-              <a:t>Noise removal in backward process:</a:t>
-            </a:r>
-          </a:p>
-          <a:p>
-            <a:endParaRPr/>
-          </a:p>
-          <a:p>
-            <a:r>
-              <a:t>xt-1 = (1 / sqrt(αt)) * (xt - (1-αt)/sqrt(1-α) * εt)</a:t>
-            </a:r>
-          </a:p>
-          <a:p>
-            <a:endParaRPr/>
-          </a:p>
-          <a:p>
-            <a:r>
-              <a:t>- xt: Noisy image at step t</a:t>
-            </a:r>
-          </a:p>
-          <a:p>
-            <a:r>
-              <a:t>- εt: Predicted noise from neural network</a:t>
-            </a:r>
-          </a:p>
-          <a:p>
-            <a:r>
-              <a:t>- xt-1: Denoised output at previous step</a:t>
+          <a:bodyPr>
+            <a:normAutofit lnSpcReduction="10000"/>
+          </a:bodyPr>
+          <a:lstStyle/>
+          <a:p>
+            <a:r>
+              <a:rPr dirty="0"/>
+              <a:t>Noise addition in forward process:</a:t>
+            </a:r>
+          </a:p>
+          <a:p>
+            <a:endParaRPr dirty="0"/>
+          </a:p>
+          <a:p>
+            <a:r>
+              <a:rPr dirty="0" err="1"/>
+              <a:t>xt</a:t>
+            </a:r>
+            <a:r>
+              <a:rPr dirty="0"/>
+              <a:t> = sqrt(αt) * x0 + sqrt(1 - αt) * ε</a:t>
+            </a:r>
+          </a:p>
+          <a:p>
+            <a:endParaRPr dirty="0"/>
+          </a:p>
+          <a:p>
+            <a:r>
+              <a:rPr dirty="0"/>
+              <a:t>- x0: Original clean image</a:t>
+            </a:r>
+          </a:p>
+          <a:p>
+            <a:r>
+              <a:rPr dirty="0"/>
+              <a:t>- </a:t>
+            </a:r>
+            <a:r>
+              <a:rPr dirty="0" err="1"/>
+              <a:t>xt</a:t>
+            </a:r>
+            <a:r>
+              <a:rPr dirty="0"/>
+              <a:t>: Noisy image at step t</a:t>
+            </a:r>
+          </a:p>
+          <a:p>
+            <a:r>
+              <a:rPr dirty="0"/>
+              <a:t>- αt: Noise scheduling parameter</a:t>
+            </a:r>
+          </a:p>
+          <a:p>
+            <a:r>
+              <a:rPr dirty="0"/>
+              <a:t>- ε: Gaussian noise</a:t>
             </a:r>
           </a:p>
         </p:txBody>
@@ -3289,7 +3947,7 @@
           <a:lstStyle/>
           <a:p>
             <a:r>
-              <a:t>Methods</a:t>
+              <a:t>Inverse (Backward) Process</a:t>
             </a:r>
           </a:p>
         </p:txBody>
@@ -3310,22 +3968,22 @@
           <a:lstStyle/>
           <a:p>
             <a:r>
-              <a:t>- Forward &amp; inverse DDPM applied to ultrasound</a:t>
-            </a:r>
-          </a:p>
-          <a:p>
-            <a:r>
-              <a:t>- Parameters: T=300, βt=1/300, I=1</a:t>
-            </a:r>
-          </a:p>
-          <a:p>
-            <a:r>
-              <a:t>- Network: U-Net with time embedding</a:t>
-            </a:r>
-          </a:p>
-          <a:p>
-            <a:r>
-              <a:t>- Pre-trained on CIFAR10, fine-tuned on CUBDL dataset</a:t>
+              <a:t>- Train a neural network to predict added noise</a:t>
+            </a:r>
+          </a:p>
+          <a:p>
+            <a:r>
+              <a:t>- Iteratively refine noisy image towards clean image</a:t>
+            </a:r>
+          </a:p>
+          <a:p>
+            <a:r>
+              <a:t>- Uses a U-Net + time embedding architecture</a:t>
+            </a:r>
+          </a:p>
+          <a:p>
+            <a:r>
+              <a:t>- Runs for T steps to recover denoised image</a:t>
             </a:r>
           </a:p>
         </p:txBody>
@@ -3371,7 +4029,7 @@
           <a:lstStyle/>
           <a:p>
             <a:r>
-              <a:t>Results - Quantitative</a:t>
+              <a:t>Inverse Process Equation</a:t>
             </a:r>
           </a:p>
         </p:txBody>
@@ -3392,32 +4050,33 @@
           <a:lstStyle/>
           <a:p>
             <a:r>
-              <a:t>- Metrics: PSNR and GCNR</a:t>
-            </a:r>
-          </a:p>
-          <a:p>
-            <a:r>
-              <a:t>- Compared with BM3D and NLM</a:t>
-            </a:r>
-          </a:p>
-          <a:p>
-            <a:r>
-              <a:t>- Results:</a:t>
-            </a:r>
-          </a:p>
-          <a:p>
-            <a:r>
-              <a:t>   • Higher PSNR than both methods</a:t>
-            </a:r>
-          </a:p>
-          <a:p>
-            <a:r>
-              <a:t>   • Better GCNR for higher noise levels</a:t>
-            </a:r>
-          </a:p>
-          <a:p>
-            <a:r>
-              <a:t>- Preserves speckle texture unlike other methods</a:t>
+              <a:t>Noise removal in backward process:</a:t>
+            </a:r>
+          </a:p>
+          <a:p>
+            <a:endParaRPr/>
+          </a:p>
+          <a:p>
+            <a:r>
+              <a:t>xt-1 = (1 / sqrt(αt)) * (xt - (1-αt)/sqrt(1-α) * εt)</a:t>
+            </a:r>
+          </a:p>
+          <a:p>
+            <a:endParaRPr/>
+          </a:p>
+          <a:p>
+            <a:r>
+              <a:t>- xt: Noisy image at step t</a:t>
+            </a:r>
+          </a:p>
+          <a:p>
+            <a:r>
+              <a:t>- εt: Predicted noise from neural network</a:t>
+            </a:r>
+          </a:p>
+          <a:p>
+            <a:r>
+              <a:t>- xt-1: Denoised output at previous step</a:t>
             </a:r>
           </a:p>
         </p:txBody>
@@ -3449,7 +4108,13 @@
       </p:grpSpPr>
       <p:sp>
         <p:nvSpPr>
-          <p:cNvPr id="2" name="Title 1"/>
+          <p:cNvPr id="2" name="Title 1">
+            <a:extLst>
+              <a:ext uri="{FF2B5EF4-FFF2-40B4-BE49-F238E27FC236}">
+                <a16:creationId xmlns:a16="http://schemas.microsoft.com/office/drawing/2014/main" id="{D4AD468F-BE4B-B046-F3E3-8890686A8A7E}"/>
+              </a:ext>
+            </a:extLst>
+          </p:cNvPr>
           <p:cNvSpPr>
             <a:spLocks noGrp="1"/>
           </p:cNvSpPr>
@@ -3462,49 +4127,45 @@
           <a:bodyPr/>
           <a:lstStyle/>
           <a:p>
-            <a:r>
-              <a:t>Results - Qualitative</a:t>
-            </a:r>
-          </a:p>
-        </p:txBody>
-      </p:sp>
-      <p:sp>
-        <p:nvSpPr>
-          <p:cNvPr id="3" name="Content Placeholder 2"/>
-          <p:cNvSpPr>
-            <a:spLocks noGrp="1"/>
-          </p:cNvSpPr>
+            <a:endParaRPr lang="en-IN"/>
+          </a:p>
+        </p:txBody>
+      </p:sp>
+      <p:pic>
+        <p:nvPicPr>
+          <p:cNvPr id="5" name="Content Placeholder 4">
+            <a:extLst>
+              <a:ext uri="{FF2B5EF4-FFF2-40B4-BE49-F238E27FC236}">
+                <a16:creationId xmlns:a16="http://schemas.microsoft.com/office/drawing/2014/main" id="{6C448544-9F2A-2957-1803-B71395A82856}"/>
+              </a:ext>
+            </a:extLst>
+          </p:cNvPr>
+          <p:cNvPicPr>
+            <a:picLocks noGrp="1" noChangeAspect="1"/>
+          </p:cNvPicPr>
           <p:nvPr>
             <p:ph idx="1"/>
           </p:nvPr>
-        </p:nvSpPr>
-        <p:spPr/>
-        <p:txBody>
-          <a:bodyPr/>
-          <a:lstStyle/>
-          <a:p>
-            <a:r>
-              <a:t>- Visual comparison with BM3D &amp; NLM</a:t>
-            </a:r>
-          </a:p>
-          <a:p>
-            <a:r>
-              <a:t>- Traditional methods blur textures as noise increases</a:t>
-            </a:r>
-          </a:p>
-          <a:p>
-            <a:r>
-              <a:t>- Proposed method preserves background and speckles</a:t>
-            </a:r>
-          </a:p>
-          <a:p>
-            <a:r>
-              <a:t>- Useful for diagnosis requiring subtle texture details</a:t>
-            </a:r>
-          </a:p>
-        </p:txBody>
-      </p:sp>
+        </p:nvPicPr>
+        <p:blipFill>
+          <a:blip r:embed="rId2"/>
+          <a:stretch>
+            <a:fillRect/>
+          </a:stretch>
+        </p:blipFill>
+        <p:spPr>
+          <a:xfrm>
+            <a:off x="592174" y="1284514"/>
+            <a:ext cx="7959652" cy="4525963"/>
+          </a:xfrm>
+        </p:spPr>
+      </p:pic>
     </p:spTree>
+    <p:extLst>
+      <p:ext uri="{BB962C8B-B14F-4D97-AF65-F5344CB8AC3E}">
+        <p14:creationId xmlns:p14="http://schemas.microsoft.com/office/powerpoint/2010/main" val="2984633584"/>
+      </p:ext>
+    </p:extLst>
   </p:cSld>
   <p:clrMapOvr>
     <a:masterClrMapping/>
@@ -3545,7 +4206,7 @@
           <a:lstStyle/>
           <a:p>
             <a:r>
-              <a:t>Conclusion</a:t>
+              <a:t>Methods</a:t>
             </a:r>
           </a:p>
         </p:txBody>
@@ -3562,33 +4223,26 @@
         </p:nvSpPr>
         <p:spPr/>
         <p:txBody>
-          <a:bodyPr>
-            <a:normAutofit lnSpcReduction="10000"/>
-          </a:bodyPr>
-          <a:lstStyle/>
-          <a:p>
-            <a:r>
-              <a:t>- Ultrasound images suffer from noise</a:t>
-            </a:r>
-          </a:p>
-          <a:p>
-            <a:r>
-              <a:t>- Traditional methods remove important speckles</a:t>
-            </a:r>
-          </a:p>
-          <a:p>
-            <a:r>
-              <a:t>- DDPM-based approach reduces noise while preserving details</a:t>
-            </a:r>
-          </a:p>
-          <a:p>
-            <a:r>
-              <a:t>- Outperforms BM3D and NLM in both PSNR and GCNR</a:t>
-            </a:r>
-          </a:p>
-          <a:p>
-            <a:r>
-              <a:t>- Promising step for clinical ultrasound applications</a:t>
+          <a:bodyPr/>
+          <a:lstStyle/>
+          <a:p>
+            <a:r>
+              <a:t>- Forward &amp; inverse DDPM applied to ultrasound</a:t>
+            </a:r>
+          </a:p>
+          <a:p>
+            <a:r>
+              <a:t>- Parameters: T=300, βt=1/300, I=1</a:t>
+            </a:r>
+          </a:p>
+          <a:p>
+            <a:r>
+              <a:t>- Network: U-Net with time embedding</a:t>
+            </a:r>
+          </a:p>
+          <a:p>
+            <a:r>
+              <a:t>- Pre-trained on CIFAR10, fine-tuned on CUBDL dataset</a:t>
             </a:r>
           </a:p>
         </p:txBody>
@@ -3625,49 +4279,135 @@
             <a:spLocks noGrp="1"/>
           </p:cNvSpPr>
           <p:nvPr>
-            <p:ph type="ctrTitle"/>
-          </p:nvPr>
-        </p:nvSpPr>
-        <p:spPr/>
-        <p:txBody>
-          <a:bodyPr>
-            <a:normAutofit fontScale="90000"/>
+            <p:ph type="title"/>
+          </p:nvPr>
+        </p:nvSpPr>
+        <p:spPr/>
+        <p:txBody>
+          <a:bodyPr/>
+          <a:lstStyle/>
+          <a:p>
+            <a:r>
+              <a:t>Results - Quantitative</a:t>
+            </a:r>
+          </a:p>
+        </p:txBody>
+      </p:sp>
+      <p:sp>
+        <p:nvSpPr>
+          <p:cNvPr id="3" name="Content Placeholder 2"/>
+          <p:cNvSpPr>
+            <a:spLocks noGrp="1"/>
+          </p:cNvSpPr>
+          <p:nvPr>
+            <p:ph idx="1"/>
+          </p:nvPr>
+        </p:nvSpPr>
+        <p:spPr/>
+        <p:txBody>
+          <a:bodyPr/>
+          <a:lstStyle/>
+          <a:p>
+            <a:r>
+              <a:t>- Metrics: PSNR and GCNR</a:t>
+            </a:r>
+          </a:p>
+          <a:p>
+            <a:r>
+              <a:t>- Compared with BM3D and NLM</a:t>
+            </a:r>
+          </a:p>
+          <a:p>
+            <a:r>
+              <a:t>- Results:</a:t>
+            </a:r>
+          </a:p>
+          <a:p>
+            <a:r>
+              <a:t>   • Higher PSNR than both methods</a:t>
+            </a:r>
+          </a:p>
+          <a:p>
+            <a:r>
+              <a:t>   • Better GCNR for higher noise levels</a:t>
+            </a:r>
+          </a:p>
+          <a:p>
+            <a:r>
+              <a:t>- Preserves speckle texture unlike other methods</a:t>
+            </a:r>
+          </a:p>
+        </p:txBody>
+      </p:sp>
+      <p:sp>
+        <p:nvSpPr>
+          <p:cNvPr id="4" name="Rectangle 3">
+            <a:extLst>
+              <a:ext uri="{FF2B5EF4-FFF2-40B4-BE49-F238E27FC236}">
+                <a16:creationId xmlns:a16="http://schemas.microsoft.com/office/drawing/2014/main" id="{1573BE38-7613-8285-988C-0DD82A3DE38B}"/>
+              </a:ext>
+            </a:extLst>
+          </p:cNvPr>
+          <p:cNvSpPr/>
+          <p:nvPr/>
+        </p:nvSpPr>
+        <p:spPr>
+          <a:xfrm>
+            <a:off x="4453217" y="3244334"/>
+            <a:ext cx="237566" cy="369332"/>
+          </a:xfrm>
+          <a:prstGeom prst="rect">
+            <a:avLst/>
+          </a:prstGeom>
+        </p:spPr>
+        <p:txBody>
+          <a:bodyPr wrap="none">
+            <a:spAutoFit/>
           </a:bodyPr>
           <a:lstStyle/>
           <a:p>
             <a:r>
-              <a:t>Ultrasound Image Enhancement with the Variance of Diffusion Models</a:t>
-            </a:r>
-          </a:p>
-        </p:txBody>
-      </p:sp>
-      <p:sp>
-        <p:nvSpPr>
-          <p:cNvPr id="3" name="Subtitle 2"/>
-          <p:cNvSpPr>
-            <a:spLocks noGrp="1"/>
-          </p:cNvSpPr>
-          <p:nvPr>
-            <p:ph type="subTitle" idx="1"/>
-          </p:nvPr>
-        </p:nvSpPr>
-        <p:spPr/>
-        <p:txBody>
-          <a:bodyPr/>
-          <a:lstStyle/>
-          <a:p>
-            <a:r>
-              <a:t>Paper Review &amp; Explanation</a:t>
+              <a:rPr lang="en-IN" dirty="0"/>
+              <a:t> </a:t>
+            </a:r>
+          </a:p>
+        </p:txBody>
+      </p:sp>
+      <p:sp>
+        <p:nvSpPr>
+          <p:cNvPr id="5" name="Rectangle 4">
+            <a:extLst>
+              <a:ext uri="{FF2B5EF4-FFF2-40B4-BE49-F238E27FC236}">
+                <a16:creationId xmlns:a16="http://schemas.microsoft.com/office/drawing/2014/main" id="{64FB83D3-971C-A1F6-AAAD-B4C9D64C3669}"/>
+              </a:ext>
+            </a:extLst>
+          </p:cNvPr>
+          <p:cNvSpPr/>
+          <p:nvPr/>
+        </p:nvSpPr>
+        <p:spPr>
+          <a:xfrm>
+            <a:off x="4453217" y="3244334"/>
+            <a:ext cx="237566" cy="369332"/>
+          </a:xfrm>
+          <a:prstGeom prst="rect">
+            <a:avLst/>
+          </a:prstGeom>
+        </p:spPr>
+        <p:txBody>
+          <a:bodyPr wrap="none">
+            <a:spAutoFit/>
+          </a:bodyPr>
+          <a:lstStyle/>
+          <a:p>
+            <a:r>
+              <a:rPr lang="en-IN" dirty="0"/>
+              <a:t> </a:t>
             </a:r>
           </a:p>
         </p:txBody>
       </p:sp>
     </p:spTree>
-    <p:extLst>
-      <p:ext uri="{BB962C8B-B14F-4D97-AF65-F5344CB8AC3E}">
-        <p14:creationId xmlns:p14="http://schemas.microsoft.com/office/powerpoint/2010/main" val="4001446128"/>
-      </p:ext>
-    </p:extLst>
   </p:cSld>
   <p:clrMapOvr>
     <a:masterClrMapping/>
@@ -3708,8 +4448,7 @@
           <a:lstStyle/>
           <a:p>
             <a:r>
-              <a:rPr dirty="0"/>
-              <a:t>Introduction</a:t>
+              <a:t>Results - Qualitative</a:t>
             </a:r>
           </a:p>
         </p:txBody>
@@ -3724,61 +4463,33 @@
             <p:ph idx="1"/>
           </p:nvPr>
         </p:nvSpPr>
-        <p:spPr>
-          <a:xfrm>
-            <a:off x="457200" y="1643743"/>
-            <a:ext cx="8229600" cy="4525963"/>
-          </a:xfrm>
-        </p:spPr>
-        <p:txBody>
-          <a:bodyPr>
-            <a:normAutofit fontScale="85000" lnSpcReduction="20000"/>
-          </a:bodyPr>
-          <a:lstStyle/>
-          <a:p>
-            <a:r>
-              <a:rPr dirty="0"/>
-              <a:t>- Ultrasound imaging: real-time, affordable, portable, and safe</a:t>
-            </a:r>
-          </a:p>
-          <a:p>
-            <a:r>
-              <a:rPr dirty="0"/>
-              <a:t>- Challenges: electronic noise, speckle, reverberation, shadowing</a:t>
-            </a:r>
-          </a:p>
-          <a:p>
-            <a:r>
-              <a:rPr dirty="0"/>
-              <a:t>- Standard DAS beamforming prioritizes speed but has poor resolution</a:t>
-            </a:r>
-          </a:p>
-          <a:p>
-            <a:r>
-              <a:rPr dirty="0"/>
-              <a:t>- Speckle: useful in motion tracking, problematic for segmentation/classification</a:t>
-            </a:r>
-          </a:p>
-          <a:p>
-            <a:r>
-              <a:rPr dirty="0"/>
-              <a:t>- Goal: Enhance image quality while balancing contrast, resolution, and speckle handling</a:t>
-            </a:r>
-          </a:p>
-          <a:p>
-            <a:r>
-              <a:rPr dirty="0"/>
-              <a:t>- Proposed: Adaptive beamforming + variance of diffusion model outputs</a:t>
+        <p:spPr/>
+        <p:txBody>
+          <a:bodyPr/>
+          <a:lstStyle/>
+          <a:p>
+            <a:r>
+              <a:t>- Visual comparison with BM3D &amp; NLM</a:t>
+            </a:r>
+          </a:p>
+          <a:p>
+            <a:r>
+              <a:t>- Traditional methods blur textures as noise increases</a:t>
+            </a:r>
+          </a:p>
+          <a:p>
+            <a:r>
+              <a:t>- Proposed method preserves background and speckles</a:t>
+            </a:r>
+          </a:p>
+          <a:p>
+            <a:r>
+              <a:t>- Useful for diagnosis requiring subtle texture details</a:t>
             </a:r>
           </a:p>
         </p:txBody>
       </p:sp>
     </p:spTree>
-    <p:extLst>
-      <p:ext uri="{BB962C8B-B14F-4D97-AF65-F5344CB8AC3E}">
-        <p14:creationId xmlns:p14="http://schemas.microsoft.com/office/powerpoint/2010/main" val="3450874828"/>
-      </p:ext>
-    </p:extLst>
   </p:cSld>
   <p:clrMapOvr>
     <a:masterClrMapping/>
@@ -3819,7 +4530,7 @@
           <a:lstStyle/>
           <a:p>
             <a:r>
-              <a:t>Method Overview</a:t>
+              <a:t>Conclusion</a:t>
             </a:r>
           </a:p>
         </p:txBody>
@@ -3834,69 +4545,40 @@
             <p:ph idx="1"/>
           </p:nvPr>
         </p:nvSpPr>
-        <p:spPr>
-          <a:xfrm>
-            <a:off x="544286" y="1568790"/>
-            <a:ext cx="8229600" cy="4525963"/>
-          </a:xfrm>
-        </p:spPr>
+        <p:spPr/>
         <p:txBody>
           <a:bodyPr>
-            <a:normAutofit fontScale="92500" lnSpcReduction="10000"/>
+            <a:normAutofit lnSpcReduction="10000"/>
           </a:bodyPr>
           <a:lstStyle/>
           <a:p>
             <a:r>
-              <a:rPr dirty="0"/>
-              <a:t>Pipeline:</a:t>
-            </a:r>
-          </a:p>
-          <a:p>
-            <a:r>
-              <a:rPr dirty="0"/>
-              <a:t>1. Acquire RF channel data from single Plane Wave (PW)</a:t>
-            </a:r>
-          </a:p>
-          <a:p>
-            <a:r>
-              <a:rPr dirty="0"/>
-              <a:t>2. Apply adaptive pixel-wise beamforming (EBMV)</a:t>
-            </a:r>
-          </a:p>
-          <a:p>
-            <a:r>
-              <a:rPr dirty="0"/>
-              <a:t>3. Run diffusion denoising multiple times</a:t>
-            </a:r>
-          </a:p>
-          <a:p>
-            <a:r>
-              <a:rPr dirty="0"/>
-              <a:t>4. Compute variance across generated samples</a:t>
-            </a:r>
-          </a:p>
-          <a:p>
-            <a:r>
-              <a:rPr dirty="0"/>
-              <a:t>5. Variance map produces </a:t>
-            </a:r>
-            <a:r>
-              <a:rPr dirty="0" err="1"/>
-              <a:t>despeckled</a:t>
-            </a:r>
-            <a:r>
-              <a:rPr dirty="0"/>
-              <a:t>, enhanced image</a:t>
+              <a:t>- Ultrasound images suffer from noise</a:t>
+            </a:r>
+          </a:p>
+          <a:p>
+            <a:r>
+              <a:t>- Traditional methods remove important speckles</a:t>
+            </a:r>
+          </a:p>
+          <a:p>
+            <a:r>
+              <a:t>- DDPM-based approach reduces noise while preserving details</a:t>
+            </a:r>
+          </a:p>
+          <a:p>
+            <a:r>
+              <a:t>- Outperforms BM3D and NLM in both PSNR and GCNR</a:t>
+            </a:r>
+          </a:p>
+          <a:p>
+            <a:r>
+              <a:t>- Promising step for clinical ultrasound applications</a:t>
             </a:r>
           </a:p>
         </p:txBody>
       </p:sp>
     </p:spTree>
-    <p:extLst>
-      <p:ext uri="{BB962C8B-B14F-4D97-AF65-F5344CB8AC3E}">
-        <p14:creationId xmlns:p14="http://schemas.microsoft.com/office/powerpoint/2010/main" val="491684153"/>
-      </p:ext>
-    </p:extLst>
   </p:cSld>
   <p:clrMapOvr>
     <a:masterClrMapping/>
@@ -3928,110 +4610,39 @@
             <a:spLocks noGrp="1"/>
           </p:cNvSpPr>
           <p:nvPr>
-            <p:ph type="title"/>
-          </p:nvPr>
-        </p:nvSpPr>
-        <p:spPr/>
-        <p:txBody>
-          <a:bodyPr/>
-          <a:lstStyle/>
-          <a:p>
-            <a:r>
-              <a:t>Adaptive Beamforming (EBMV)</a:t>
-            </a:r>
-          </a:p>
-        </p:txBody>
-      </p:sp>
-      <p:sp>
-        <p:nvSpPr>
-          <p:cNvPr id="3" name="Content Placeholder 2"/>
-          <p:cNvSpPr>
-            <a:spLocks noGrp="1"/>
-          </p:cNvSpPr>
-          <p:nvPr>
-            <p:ph idx="1"/>
-          </p:nvPr>
-        </p:nvSpPr>
-        <p:spPr>
-          <a:xfrm>
-            <a:off x="457200" y="1689781"/>
-            <a:ext cx="8229600" cy="4525963"/>
-          </a:xfrm>
-        </p:spPr>
+            <p:ph type="ctrTitle"/>
+          </p:nvPr>
+        </p:nvSpPr>
+        <p:spPr/>
         <p:txBody>
           <a:bodyPr>
-            <a:normAutofit fontScale="92500" lnSpcReduction="10000"/>
+            <a:normAutofit fontScale="90000"/>
           </a:bodyPr>
           <a:lstStyle/>
           <a:p>
             <a:r>
-              <a:rPr dirty="0"/>
-              <a:t>- Builds on Minimum Variance (MV) beamforming</a:t>
-            </a:r>
-          </a:p>
-          <a:p>
-            <a:r>
-              <a:rPr dirty="0"/>
-              <a:t>- MV weights: </a:t>
-            </a:r>
-            <a:r>
-              <a:rPr dirty="0" err="1"/>
-              <a:t>wMV</a:t>
-            </a:r>
-            <a:r>
-              <a:rPr dirty="0"/>
-              <a:t> = R⁻¹1 / (1ᴴR⁻¹1)</a:t>
-            </a:r>
-          </a:p>
-          <a:p>
-            <a:r>
-              <a:rPr dirty="0"/>
-              <a:t>- EBMV: eigen-decomposition of covariance matrix R</a:t>
-            </a:r>
-          </a:p>
-          <a:p>
-            <a:r>
-              <a:rPr dirty="0"/>
-              <a:t>- Weights projected onto signal subspace → </a:t>
-            </a:r>
-            <a:r>
-              <a:rPr dirty="0" err="1"/>
-              <a:t>wEBMV</a:t>
-            </a:r>
-            <a:endParaRPr dirty="0"/>
-          </a:p>
-          <a:p>
-            <a:r>
-              <a:rPr dirty="0"/>
-              <a:t>- Pixel value: </a:t>
-            </a:r>
-            <a:r>
-              <a:rPr dirty="0" err="1"/>
-              <a:t>xEBMV</a:t>
-            </a:r>
-            <a:r>
-              <a:rPr dirty="0"/>
-              <a:t> = </a:t>
-            </a:r>
-            <a:r>
-              <a:rPr dirty="0" err="1"/>
-              <a:t>wᴴEBMV</a:t>
-            </a:r>
-            <a:r>
-              <a:rPr dirty="0"/>
-              <a:t> y</a:t>
-            </a:r>
-          </a:p>
-          <a:p>
-            <a:r>
-              <a:rPr dirty="0"/>
-              <a:t>- Enhances spatial resolution but speckle remains</a:t>
-            </a:r>
-          </a:p>
-          <a:p>
-            <a:r>
-              <a:rPr dirty="0"/>
-              <a:t>- Provides input RF image for diffusion denoising</a:t>
+              <a:t>Ultrasound Image Enhancement with the Variance of Diffusion Models</a:t>
+            </a:r>
+          </a:p>
+        </p:txBody>
+      </p:sp>
+      <p:sp>
+        <p:nvSpPr>
+          <p:cNvPr id="3" name="Subtitle 2"/>
+          <p:cNvSpPr>
+            <a:spLocks noGrp="1"/>
+          </p:cNvSpPr>
+          <p:nvPr>
+            <p:ph type="subTitle" idx="1"/>
+          </p:nvPr>
+        </p:nvSpPr>
+        <p:spPr/>
+        <p:txBody>
+          <a:bodyPr/>
+          <a:lstStyle/>
+          <a:p>
+            <a:r>
+              <a:t>Paper Review &amp; Explanation</a:t>
             </a:r>
           </a:p>
         </p:txBody>
@@ -4039,7 +4650,7 @@
     </p:spTree>
     <p:extLst>
       <p:ext uri="{BB962C8B-B14F-4D97-AF65-F5344CB8AC3E}">
-        <p14:creationId xmlns:p14="http://schemas.microsoft.com/office/powerpoint/2010/main" val="4291149391"/>
+        <p14:creationId xmlns:p14="http://schemas.microsoft.com/office/powerpoint/2010/main" val="4001446128"/>
       </p:ext>
     </p:extLst>
   </p:cSld>
@@ -4076,94 +4687,73 @@
             <p:ph type="title"/>
           </p:nvPr>
         </p:nvSpPr>
+        <p:spPr/>
+        <p:txBody>
+          <a:bodyPr/>
+          <a:lstStyle/>
+          <a:p>
+            <a:r>
+              <a:rPr dirty="0"/>
+              <a:t>Introduction</a:t>
+            </a:r>
+          </a:p>
+        </p:txBody>
+      </p:sp>
+      <p:sp>
+        <p:nvSpPr>
+          <p:cNvPr id="3" name="Content Placeholder 2"/>
+          <p:cNvSpPr>
+            <a:spLocks noGrp="1"/>
+          </p:cNvSpPr>
+          <p:nvPr>
+            <p:ph idx="1"/>
+          </p:nvPr>
+        </p:nvSpPr>
         <p:spPr>
           <a:xfrm>
-            <a:off x="457200" y="470580"/>
-            <a:ext cx="8229600" cy="1143000"/>
-          </a:xfrm>
-        </p:spPr>
-        <p:txBody>
-          <a:bodyPr>
-            <a:normAutofit fontScale="90000"/>
-          </a:bodyPr>
-          <a:lstStyle/>
-          <a:p>
-            <a:r>
-              <a:rPr dirty="0"/>
-              <a:t>Denoising Diffusion Variance Imaging</a:t>
-            </a:r>
-          </a:p>
-        </p:txBody>
-      </p:sp>
-      <p:sp>
-        <p:nvSpPr>
-          <p:cNvPr id="3" name="Content Placeholder 2"/>
-          <p:cNvSpPr>
-            <a:spLocks noGrp="1"/>
-          </p:cNvSpPr>
-          <p:nvPr>
-            <p:ph idx="1"/>
-          </p:nvPr>
-        </p:nvSpPr>
-        <p:spPr>
-          <a:xfrm>
-            <a:off x="457200" y="1861457"/>
+            <a:off x="457200" y="1643743"/>
             <a:ext cx="8229600" cy="4525963"/>
           </a:xfrm>
         </p:spPr>
         <p:txBody>
           <a:bodyPr>
-            <a:normAutofit fontScale="77500" lnSpcReduction="20000"/>
+            <a:normAutofit fontScale="85000" lnSpcReduction="20000"/>
           </a:bodyPr>
           <a:lstStyle/>
           <a:p>
             <a:r>
               <a:rPr dirty="0"/>
-              <a:t>- Diffusion models denoise images using prior knowledge + measurement</a:t>
-            </a:r>
-          </a:p>
-          <a:p>
-            <a:r>
-              <a:rPr dirty="0"/>
-              <a:t>- Each sampling run produces slightly different results due to stochasticity</a:t>
-            </a:r>
-          </a:p>
-          <a:p>
-            <a:r>
-              <a:rPr dirty="0"/>
-              <a:t>- Instead of single output → compute variance across multiple outputs</a:t>
-            </a:r>
-          </a:p>
-          <a:p>
-            <a:r>
-              <a:rPr dirty="0"/>
-              <a:t>- Speckle modeled as multiplicative noise: o = m ⊙ p</a:t>
-            </a:r>
-          </a:p>
-          <a:p>
-            <a:r>
-              <a:rPr dirty="0"/>
-              <a:t>- Beamformed measurement: x = m ⊙ p + n</a:t>
-            </a:r>
-          </a:p>
-          <a:p>
-            <a:r>
-              <a:rPr dirty="0"/>
-              <a:t>- Variance of reconstructions approximates echogenicity map</a:t>
-            </a:r>
-          </a:p>
-          <a:p>
-            <a:r>
-              <a:rPr dirty="0"/>
-              <a:t>- Produces </a:t>
-            </a:r>
-            <a:r>
-              <a:rPr dirty="0" err="1"/>
-              <a:t>despeckled</a:t>
-            </a:r>
-            <a:r>
-              <a:rPr dirty="0"/>
-              <a:t> images while recovering background</a:t>
+              <a:t>- Ultrasound imaging: real-time, affordable, portable, and safe</a:t>
+            </a:r>
+          </a:p>
+          <a:p>
+            <a:r>
+              <a:rPr dirty="0"/>
+              <a:t>- Challenges: electronic noise, speckle, reverberation, shadowing</a:t>
+            </a:r>
+          </a:p>
+          <a:p>
+            <a:r>
+              <a:rPr dirty="0"/>
+              <a:t>- Standard DAS beamforming prioritizes speed but has poor resolution</a:t>
+            </a:r>
+          </a:p>
+          <a:p>
+            <a:r>
+              <a:rPr dirty="0"/>
+              <a:t>- Speckle: useful in motion tracking, problematic for segmentation/classification</a:t>
+            </a:r>
+          </a:p>
+          <a:p>
+            <a:r>
+              <a:rPr dirty="0"/>
+              <a:t>- Goal: Enhance image quality while balancing contrast, resolution, and speckle handling</a:t>
+            </a:r>
+          </a:p>
+          <a:p>
+            <a:r>
+              <a:rPr dirty="0"/>
+              <a:t>- Proposed: Adaptive beamforming + variance of diffusion model outputs</a:t>
             </a:r>
           </a:p>
         </p:txBody>
@@ -4171,7 +4761,7 @@
     </p:spTree>
     <p:extLst>
       <p:ext uri="{BB962C8B-B14F-4D97-AF65-F5344CB8AC3E}">
-        <p14:creationId xmlns:p14="http://schemas.microsoft.com/office/powerpoint/2010/main" val="3391008010"/>
+        <p14:creationId xmlns:p14="http://schemas.microsoft.com/office/powerpoint/2010/main" val="3450874828"/>
       </p:ext>
     </p:extLst>
   </p:cSld>
@@ -4237,26 +4827,31 @@
           <a:lstStyle/>
           <a:p>
             <a:r>
+              <a:rPr dirty="0"/>
               <a:t>- Ultrasound imaging is low-cost, real-time, and non-invasive</a:t>
             </a:r>
           </a:p>
           <a:p>
             <a:r>
+              <a:rPr dirty="0"/>
               <a:t>- Main challenge: low Signal-to-Noise Ratio (SNR)</a:t>
             </a:r>
           </a:p>
           <a:p>
             <a:r>
+              <a:rPr dirty="0"/>
               <a:t>- Traditional denoising methods (NLM, BM3D) remove useful speckle texture</a:t>
             </a:r>
           </a:p>
           <a:p>
             <a:r>
+              <a:rPr dirty="0"/>
               <a:t>- Goal: Preserve speckle while reducing noise</a:t>
             </a:r>
           </a:p>
           <a:p>
             <a:r>
+              <a:rPr dirty="0"/>
               <a:t>- Proposed: Use Denoising Diffusion Probabilistic Models (DDPM)</a:t>
             </a:r>
           </a:p>
@@ -4303,7 +4898,7 @@
           <a:lstStyle/>
           <a:p>
             <a:r>
-              <a:t>Experimental Validation</a:t>
+              <a:t>Method Overview</a:t>
             </a:r>
           </a:p>
         </p:txBody>
@@ -4320,61 +4915,61 @@
         </p:nvSpPr>
         <p:spPr>
           <a:xfrm>
-            <a:off x="457200" y="1678895"/>
+            <a:off x="544286" y="1568790"/>
             <a:ext cx="8229600" cy="4525963"/>
           </a:xfrm>
         </p:spPr>
         <p:txBody>
           <a:bodyPr>
-            <a:normAutofit fontScale="85000" lnSpcReduction="10000"/>
+            <a:normAutofit fontScale="92500" lnSpcReduction="10000"/>
           </a:bodyPr>
           <a:lstStyle/>
           <a:p>
             <a:r>
-              <a:rPr dirty="0"/>
-              <a:t>- Dataset: PICMUS (Plane Wave Imaging Challenge)</a:t>
-            </a:r>
-          </a:p>
-          <a:p>
-            <a:r>
-              <a:rPr dirty="0"/>
-              <a:t>- Reference: 75-PW DAS images</a:t>
-            </a:r>
-          </a:p>
-          <a:p>
-            <a:r>
-              <a:rPr dirty="0"/>
-              <a:t>- Evaluation on:</a:t>
-            </a:r>
-          </a:p>
-          <a:p>
-            <a:r>
-              <a:rPr dirty="0"/>
-              <a:t>   • Experimental Contrast (EC) dataset (in-vitro)</a:t>
-            </a:r>
-          </a:p>
-          <a:p>
-            <a:r>
-              <a:rPr dirty="0"/>
-              <a:t>   • Carotid Cross-sectional (CC) dataset (in-vivo)</a:t>
-            </a:r>
-          </a:p>
-          <a:p>
-            <a:r>
-              <a:rPr dirty="0"/>
-              <a:t>- Diffusion model: pre-trained on ImageNet, fine-tuned on 3551 high-quality RF images</a:t>
-            </a:r>
-          </a:p>
-          <a:p>
-            <a:r>
-              <a:rPr dirty="0"/>
-              <a:t>- Each variance image: 10 samples, 50 iterations each</a:t>
-            </a:r>
-          </a:p>
-          <a:p>
-            <a:r>
-              <a:rPr dirty="0"/>
-              <a:t>- Comparison against DAS and EBMV baselines</a:t>
+              <a:rPr lang="en-IN" dirty="0"/>
+              <a:t> </a:t>
+            </a:r>
+            <a:r>
+              <a:rPr dirty="0"/>
+              <a:t>Pipeline:</a:t>
+            </a:r>
+          </a:p>
+          <a:p>
+            <a:r>
+              <a:rPr dirty="0"/>
+              <a:t>1. Acquire RF channel data from single Plane Wave (PW)</a:t>
+            </a:r>
+          </a:p>
+          <a:p>
+            <a:r>
+              <a:rPr dirty="0"/>
+              <a:t>2. Apply adaptive pixel-wise beamforming (EBMV)</a:t>
+            </a:r>
+          </a:p>
+          <a:p>
+            <a:r>
+              <a:rPr dirty="0"/>
+              <a:t>3. Run diffusion denoising multiple times</a:t>
+            </a:r>
+          </a:p>
+          <a:p>
+            <a:r>
+              <a:rPr dirty="0"/>
+              <a:t>4. Compute variance across generated samples</a:t>
+            </a:r>
+          </a:p>
+          <a:p>
+            <a:r>
+              <a:rPr dirty="0"/>
+              <a:t>5. Variance map produces </a:t>
+            </a:r>
+            <a:r>
+              <a:rPr dirty="0" err="1"/>
+              <a:t>despeckled</a:t>
+            </a:r>
+            <a:r>
+              <a:rPr dirty="0"/>
+              <a:t>, enhanced image</a:t>
             </a:r>
           </a:p>
         </p:txBody>
@@ -4382,7 +4977,7 @@
     </p:spTree>
     <p:extLst>
       <p:ext uri="{BB962C8B-B14F-4D97-AF65-F5344CB8AC3E}">
-        <p14:creationId xmlns:p14="http://schemas.microsoft.com/office/powerpoint/2010/main" val="2169482911"/>
+        <p14:creationId xmlns:p14="http://schemas.microsoft.com/office/powerpoint/2010/main" val="491684153"/>
       </p:ext>
     </p:extLst>
   </p:cSld>
@@ -4411,116 +5006,70 @@
       </p:grpSpPr>
       <p:sp>
         <p:nvSpPr>
-          <p:cNvPr id="2" name="Title 1"/>
+          <p:cNvPr id="2" name="Title 1">
+            <a:extLst>
+              <a:ext uri="{FF2B5EF4-FFF2-40B4-BE49-F238E27FC236}">
+                <a16:creationId xmlns:a16="http://schemas.microsoft.com/office/drawing/2014/main" id="{D4A749A6-86D2-B826-2E5C-B2876A847FA6}"/>
+              </a:ext>
+            </a:extLst>
+          </p:cNvPr>
           <p:cNvSpPr>
             <a:spLocks noGrp="1"/>
           </p:cNvSpPr>
           <p:nvPr>
             <p:ph type="title"/>
-          </p:nvPr>
-        </p:nvSpPr>
-        <p:spPr/>
-        <p:txBody>
-          <a:bodyPr/>
-          <a:lstStyle/>
-          <a:p>
-            <a:r>
-              <a:t>Results</a:t>
-            </a:r>
-          </a:p>
-        </p:txBody>
-      </p:sp>
-      <p:sp>
-        <p:nvSpPr>
-          <p:cNvPr id="3" name="Content Placeholder 2"/>
-          <p:cNvSpPr>
-            <a:spLocks noGrp="1"/>
-          </p:cNvSpPr>
-          <p:nvPr>
-            <p:ph idx="1"/>
           </p:nvPr>
         </p:nvSpPr>
         <p:spPr>
           <a:xfrm>
-            <a:off x="457200" y="1440656"/>
-            <a:ext cx="8229600" cy="4525963"/>
+            <a:off x="457200" y="414903"/>
+            <a:ext cx="8229600" cy="1143000"/>
           </a:xfrm>
         </p:spPr>
         <p:txBody>
-          <a:bodyPr>
-            <a:normAutofit fontScale="85000" lnSpcReduction="10000"/>
-          </a:bodyPr>
-          <a:lstStyle/>
-          <a:p>
-            <a:r>
-              <a:rPr dirty="0"/>
-              <a:t>- EBMV + Diffusion Variance (</a:t>
-            </a:r>
-            <a:r>
-              <a:rPr dirty="0" err="1"/>
-              <a:t>EBMV+DUSvar</a:t>
-            </a:r>
-            <a:r>
-              <a:rPr dirty="0"/>
-              <a:t>):</a:t>
-            </a:r>
-          </a:p>
-          <a:p>
-            <a:r>
-              <a:rPr dirty="0"/>
-              <a:t>   • Outperforms DAS in contrast and spatial resolution</a:t>
-            </a:r>
-          </a:p>
-          <a:p>
-            <a:r>
-              <a:rPr dirty="0"/>
-              <a:t>   • Recovers background lost in EBMV-only results</a:t>
-            </a:r>
-          </a:p>
-          <a:p>
-            <a:r>
-              <a:rPr dirty="0"/>
-              <a:t>- Quantitative metrics:</a:t>
-            </a:r>
-          </a:p>
-          <a:p>
-            <a:r>
-              <a:rPr dirty="0"/>
-              <a:t>   • Resolution (FWHM)</a:t>
-            </a:r>
-          </a:p>
-          <a:p>
-            <a:r>
-              <a:rPr dirty="0"/>
-              <a:t>   • Contrast (</a:t>
-            </a:r>
-            <a:r>
-              <a:rPr dirty="0" err="1"/>
-              <a:t>gCNR</a:t>
-            </a:r>
-            <a:r>
-              <a:rPr dirty="0"/>
-              <a:t>)</a:t>
-            </a:r>
-          </a:p>
-          <a:p>
-            <a:r>
-              <a:rPr dirty="0"/>
-              <a:t>   • Background SNR</a:t>
-            </a:r>
-          </a:p>
-          <a:p>
-            <a:r>
-              <a:rPr dirty="0"/>
-              <a:t>- In-vivo validation confirms feasibility and generalization</a:t>
-            </a:r>
-          </a:p>
-        </p:txBody>
-      </p:sp>
+          <a:bodyPr/>
+          <a:lstStyle/>
+          <a:p>
+            <a:r>
+              <a:rPr lang="en-IN" dirty="0"/>
+              <a:t>EBMV v/s DAS beamforming</a:t>
+            </a:r>
+          </a:p>
+        </p:txBody>
+      </p:sp>
+      <p:pic>
+        <p:nvPicPr>
+          <p:cNvPr id="12" name="Content Placeholder 11">
+            <a:extLst>
+              <a:ext uri="{FF2B5EF4-FFF2-40B4-BE49-F238E27FC236}">
+                <a16:creationId xmlns:a16="http://schemas.microsoft.com/office/drawing/2014/main" id="{DB33C138-1540-40B5-EA41-671E03A6DB79}"/>
+              </a:ext>
+            </a:extLst>
+          </p:cNvPr>
+          <p:cNvPicPr>
+            <a:picLocks noGrp="1" noChangeAspect="1"/>
+          </p:cNvPicPr>
+          <p:nvPr>
+            <p:ph idx="1"/>
+          </p:nvPr>
+        </p:nvPicPr>
+        <p:blipFill>
+          <a:blip r:embed="rId2"/>
+          <a:stretch>
+            <a:fillRect/>
+          </a:stretch>
+        </p:blipFill>
+        <p:spPr>
+          <a:xfrm>
+            <a:off x="1796143" y="1361960"/>
+            <a:ext cx="5312229" cy="5038840"/>
+          </a:xfrm>
+        </p:spPr>
+      </p:pic>
     </p:spTree>
     <p:extLst>
       <p:ext uri="{BB962C8B-B14F-4D97-AF65-F5344CB8AC3E}">
-        <p14:creationId xmlns:p14="http://schemas.microsoft.com/office/powerpoint/2010/main" val="3525676253"/>
+        <p14:creationId xmlns:p14="http://schemas.microsoft.com/office/powerpoint/2010/main" val="3325880071"/>
       </p:ext>
     </p:extLst>
   </p:cSld>
@@ -4549,6 +5098,479 @@
       </p:grpSpPr>
       <p:sp>
         <p:nvSpPr>
+          <p:cNvPr id="2" name="Title 1">
+            <a:extLst>
+              <a:ext uri="{FF2B5EF4-FFF2-40B4-BE49-F238E27FC236}">
+                <a16:creationId xmlns:a16="http://schemas.microsoft.com/office/drawing/2014/main" id="{D1F0EE14-0D66-B4AE-B014-327C523AD6A3}"/>
+              </a:ext>
+            </a:extLst>
+          </p:cNvPr>
+          <p:cNvSpPr>
+            <a:spLocks noGrp="1"/>
+          </p:cNvSpPr>
+          <p:nvPr>
+            <p:ph type="title"/>
+          </p:nvPr>
+        </p:nvSpPr>
+        <p:spPr/>
+        <p:txBody>
+          <a:bodyPr>
+            <a:normAutofit fontScale="90000"/>
+          </a:bodyPr>
+          <a:lstStyle/>
+          <a:p>
+            <a:r>
+              <a:rPr lang="en-IN" dirty="0"/>
+              <a:t>Why variance map makes a difference</a:t>
+            </a:r>
+          </a:p>
+        </p:txBody>
+      </p:sp>
+      <p:pic>
+        <p:nvPicPr>
+          <p:cNvPr id="7" name="Content Placeholder 6">
+            <a:extLst>
+              <a:ext uri="{FF2B5EF4-FFF2-40B4-BE49-F238E27FC236}">
+                <a16:creationId xmlns:a16="http://schemas.microsoft.com/office/drawing/2014/main" id="{D1E84F02-1AEC-F0CE-A20F-71BF7CEA2FC4}"/>
+              </a:ext>
+            </a:extLst>
+          </p:cNvPr>
+          <p:cNvPicPr>
+            <a:picLocks noGrp="1" noChangeAspect="1"/>
+          </p:cNvPicPr>
+          <p:nvPr>
+            <p:ph idx="1"/>
+          </p:nvPr>
+        </p:nvPicPr>
+        <p:blipFill>
+          <a:blip r:embed="rId2"/>
+          <a:stretch>
+            <a:fillRect/>
+          </a:stretch>
+        </p:blipFill>
+        <p:spPr>
+          <a:xfrm>
+            <a:off x="1993332" y="1577180"/>
+            <a:ext cx="5702867" cy="5006182"/>
+          </a:xfrm>
+        </p:spPr>
+      </p:pic>
+    </p:spTree>
+    <p:extLst>
+      <p:ext uri="{BB962C8B-B14F-4D97-AF65-F5344CB8AC3E}">
+        <p14:creationId xmlns:p14="http://schemas.microsoft.com/office/powerpoint/2010/main" val="2414294363"/>
+      </p:ext>
+    </p:extLst>
+  </p:cSld>
+  <p:clrMapOvr>
+    <a:masterClrMapping/>
+  </p:clrMapOvr>
+</p:sld>
+</file>
+
+<file path=ppt/slides/slide23.xml><?xml version="1.0" encoding="utf-8"?>
+<p:sld xmlns:a="http://schemas.openxmlformats.org/drawingml/2006/main" xmlns:r="http://schemas.openxmlformats.org/officeDocument/2006/relationships" xmlns:p="http://schemas.openxmlformats.org/presentationml/2006/main">
+  <p:cSld>
+    <p:spTree>
+      <p:nvGrpSpPr>
+        <p:cNvPr id="1" name=""/>
+        <p:cNvGrpSpPr/>
+        <p:nvPr/>
+      </p:nvGrpSpPr>
+      <p:grpSpPr>
+        <a:xfrm>
+          <a:off x="0" y="0"/>
+          <a:ext cx="0" cy="0"/>
+          <a:chOff x="0" y="0"/>
+          <a:chExt cx="0" cy="0"/>
+        </a:xfrm>
+      </p:grpSpPr>
+      <p:sp>
+        <p:nvSpPr>
+          <p:cNvPr id="2" name="Title 1"/>
+          <p:cNvSpPr>
+            <a:spLocks noGrp="1"/>
+          </p:cNvSpPr>
+          <p:nvPr>
+            <p:ph type="title"/>
+          </p:nvPr>
+        </p:nvSpPr>
+        <p:spPr>
+          <a:xfrm>
+            <a:off x="457200" y="470580"/>
+            <a:ext cx="8229600" cy="1143000"/>
+          </a:xfrm>
+        </p:spPr>
+        <p:txBody>
+          <a:bodyPr>
+            <a:normAutofit fontScale="90000"/>
+          </a:bodyPr>
+          <a:lstStyle/>
+          <a:p>
+            <a:r>
+              <a:rPr dirty="0"/>
+              <a:t>Denoising Diffusion Variance Imaging</a:t>
+            </a:r>
+          </a:p>
+        </p:txBody>
+      </p:sp>
+      <p:sp>
+        <p:nvSpPr>
+          <p:cNvPr id="3" name="Content Placeholder 2"/>
+          <p:cNvSpPr>
+            <a:spLocks noGrp="1"/>
+          </p:cNvSpPr>
+          <p:nvPr>
+            <p:ph idx="1"/>
+          </p:nvPr>
+        </p:nvSpPr>
+        <p:spPr>
+          <a:xfrm>
+            <a:off x="457200" y="1861457"/>
+            <a:ext cx="8229600" cy="4525963"/>
+          </a:xfrm>
+        </p:spPr>
+        <p:txBody>
+          <a:bodyPr>
+            <a:normAutofit fontScale="77500" lnSpcReduction="20000"/>
+          </a:bodyPr>
+          <a:lstStyle/>
+          <a:p>
+            <a:r>
+              <a:rPr dirty="0"/>
+              <a:t>- Diffusion models denoise images using prior knowledge + measurement</a:t>
+            </a:r>
+          </a:p>
+          <a:p>
+            <a:r>
+              <a:rPr dirty="0"/>
+              <a:t>- Each sampling run produces slightly different results due to stochasticity</a:t>
+            </a:r>
+          </a:p>
+          <a:p>
+            <a:r>
+              <a:rPr dirty="0"/>
+              <a:t>- Instead of single output → compute variance across multiple outputs</a:t>
+            </a:r>
+          </a:p>
+          <a:p>
+            <a:r>
+              <a:rPr dirty="0"/>
+              <a:t>- Speckle modeled as multiplicative noise: o = m ⊙ p</a:t>
+            </a:r>
+          </a:p>
+          <a:p>
+            <a:r>
+              <a:rPr dirty="0"/>
+              <a:t>- Beamformed measurement: x = m ⊙ p + n</a:t>
+            </a:r>
+          </a:p>
+          <a:p>
+            <a:r>
+              <a:rPr dirty="0"/>
+              <a:t>- Variance of reconstructions approximates echogenicity map</a:t>
+            </a:r>
+          </a:p>
+          <a:p>
+            <a:r>
+              <a:rPr dirty="0"/>
+              <a:t>- Produces </a:t>
+            </a:r>
+            <a:r>
+              <a:rPr dirty="0" err="1"/>
+              <a:t>despeckled</a:t>
+            </a:r>
+            <a:r>
+              <a:rPr dirty="0"/>
+              <a:t> images while recovering background</a:t>
+            </a:r>
+          </a:p>
+        </p:txBody>
+      </p:sp>
+    </p:spTree>
+    <p:extLst>
+      <p:ext uri="{BB962C8B-B14F-4D97-AF65-F5344CB8AC3E}">
+        <p14:creationId xmlns:p14="http://schemas.microsoft.com/office/powerpoint/2010/main" val="3391008010"/>
+      </p:ext>
+    </p:extLst>
+  </p:cSld>
+  <p:clrMapOvr>
+    <a:masterClrMapping/>
+  </p:clrMapOvr>
+</p:sld>
+</file>
+
+<file path=ppt/slides/slide24.xml><?xml version="1.0" encoding="utf-8"?>
+<p:sld xmlns:a="http://schemas.openxmlformats.org/drawingml/2006/main" xmlns:r="http://schemas.openxmlformats.org/officeDocument/2006/relationships" xmlns:p="http://schemas.openxmlformats.org/presentationml/2006/main">
+  <p:cSld>
+    <p:spTree>
+      <p:nvGrpSpPr>
+        <p:cNvPr id="1" name=""/>
+        <p:cNvGrpSpPr/>
+        <p:nvPr/>
+      </p:nvGrpSpPr>
+      <p:grpSpPr>
+        <a:xfrm>
+          <a:off x="0" y="0"/>
+          <a:ext cx="0" cy="0"/>
+          <a:chOff x="0" y="0"/>
+          <a:chExt cx="0" cy="0"/>
+        </a:xfrm>
+      </p:grpSpPr>
+      <p:sp>
+        <p:nvSpPr>
+          <p:cNvPr id="2" name="Title 1"/>
+          <p:cNvSpPr>
+            <a:spLocks noGrp="1"/>
+          </p:cNvSpPr>
+          <p:nvPr>
+            <p:ph type="title"/>
+          </p:nvPr>
+        </p:nvSpPr>
+        <p:spPr/>
+        <p:txBody>
+          <a:bodyPr/>
+          <a:lstStyle/>
+          <a:p>
+            <a:r>
+              <a:t>Experimental Validation</a:t>
+            </a:r>
+          </a:p>
+        </p:txBody>
+      </p:sp>
+      <p:sp>
+        <p:nvSpPr>
+          <p:cNvPr id="3" name="Content Placeholder 2"/>
+          <p:cNvSpPr>
+            <a:spLocks noGrp="1"/>
+          </p:cNvSpPr>
+          <p:nvPr>
+            <p:ph idx="1"/>
+          </p:nvPr>
+        </p:nvSpPr>
+        <p:spPr>
+          <a:xfrm>
+            <a:off x="457200" y="1678895"/>
+            <a:ext cx="8229600" cy="4525963"/>
+          </a:xfrm>
+        </p:spPr>
+        <p:txBody>
+          <a:bodyPr>
+            <a:normAutofit fontScale="85000" lnSpcReduction="10000"/>
+          </a:bodyPr>
+          <a:lstStyle/>
+          <a:p>
+            <a:r>
+              <a:rPr dirty="0"/>
+              <a:t>- Dataset: PICMUS (Plane Wave Imaging Challenge)</a:t>
+            </a:r>
+          </a:p>
+          <a:p>
+            <a:r>
+              <a:rPr dirty="0"/>
+              <a:t>- Reference: 75-PW DAS images</a:t>
+            </a:r>
+          </a:p>
+          <a:p>
+            <a:r>
+              <a:rPr dirty="0"/>
+              <a:t>- Evaluation on:</a:t>
+            </a:r>
+          </a:p>
+          <a:p>
+            <a:r>
+              <a:rPr dirty="0"/>
+              <a:t>   • Experimental Contrast (EC) dataset (in-vitro)</a:t>
+            </a:r>
+          </a:p>
+          <a:p>
+            <a:r>
+              <a:rPr dirty="0"/>
+              <a:t>   • Carotid Cross-sectional (CC) dataset (in-vivo)</a:t>
+            </a:r>
+          </a:p>
+          <a:p>
+            <a:r>
+              <a:rPr dirty="0"/>
+              <a:t>- Diffusion model: pre-trained on ImageNet, fine-tuned on 3551 high-quality RF images</a:t>
+            </a:r>
+          </a:p>
+          <a:p>
+            <a:r>
+              <a:rPr dirty="0"/>
+              <a:t>- Each variance image: 10 samples, 50 iterations each</a:t>
+            </a:r>
+          </a:p>
+          <a:p>
+            <a:r>
+              <a:rPr dirty="0"/>
+              <a:t>- Comparison against DAS and EBMV baselines</a:t>
+            </a:r>
+          </a:p>
+        </p:txBody>
+      </p:sp>
+    </p:spTree>
+    <p:extLst>
+      <p:ext uri="{BB962C8B-B14F-4D97-AF65-F5344CB8AC3E}">
+        <p14:creationId xmlns:p14="http://schemas.microsoft.com/office/powerpoint/2010/main" val="2169482911"/>
+      </p:ext>
+    </p:extLst>
+  </p:cSld>
+  <p:clrMapOvr>
+    <a:masterClrMapping/>
+  </p:clrMapOvr>
+</p:sld>
+</file>
+
+<file path=ppt/slides/slide25.xml><?xml version="1.0" encoding="utf-8"?>
+<p:sld xmlns:a="http://schemas.openxmlformats.org/drawingml/2006/main" xmlns:r="http://schemas.openxmlformats.org/officeDocument/2006/relationships" xmlns:p="http://schemas.openxmlformats.org/presentationml/2006/main">
+  <p:cSld>
+    <p:spTree>
+      <p:nvGrpSpPr>
+        <p:cNvPr id="1" name=""/>
+        <p:cNvGrpSpPr/>
+        <p:nvPr/>
+      </p:nvGrpSpPr>
+      <p:grpSpPr>
+        <a:xfrm>
+          <a:off x="0" y="0"/>
+          <a:ext cx="0" cy="0"/>
+          <a:chOff x="0" y="0"/>
+          <a:chExt cx="0" cy="0"/>
+        </a:xfrm>
+      </p:grpSpPr>
+      <p:sp>
+        <p:nvSpPr>
+          <p:cNvPr id="2" name="Title 1"/>
+          <p:cNvSpPr>
+            <a:spLocks noGrp="1"/>
+          </p:cNvSpPr>
+          <p:nvPr>
+            <p:ph type="title"/>
+          </p:nvPr>
+        </p:nvSpPr>
+        <p:spPr/>
+        <p:txBody>
+          <a:bodyPr/>
+          <a:lstStyle/>
+          <a:p>
+            <a:r>
+              <a:t>Results</a:t>
+            </a:r>
+          </a:p>
+        </p:txBody>
+      </p:sp>
+      <p:sp>
+        <p:nvSpPr>
+          <p:cNvPr id="3" name="Content Placeholder 2"/>
+          <p:cNvSpPr>
+            <a:spLocks noGrp="1"/>
+          </p:cNvSpPr>
+          <p:nvPr>
+            <p:ph idx="1"/>
+          </p:nvPr>
+        </p:nvSpPr>
+        <p:spPr>
+          <a:xfrm>
+            <a:off x="457200" y="1440656"/>
+            <a:ext cx="8229600" cy="4525963"/>
+          </a:xfrm>
+        </p:spPr>
+        <p:txBody>
+          <a:bodyPr>
+            <a:normAutofit fontScale="85000" lnSpcReduction="10000"/>
+          </a:bodyPr>
+          <a:lstStyle/>
+          <a:p>
+            <a:r>
+              <a:rPr dirty="0"/>
+              <a:t>- EBMV + Diffusion Variance :</a:t>
+            </a:r>
+          </a:p>
+          <a:p>
+            <a:r>
+              <a:rPr dirty="0"/>
+              <a:t>   • Outperforms DAS in contrast and spatial resolution</a:t>
+            </a:r>
+          </a:p>
+          <a:p>
+            <a:r>
+              <a:rPr dirty="0"/>
+              <a:t>   • Recovers background lost in EBMV-only results</a:t>
+            </a:r>
+          </a:p>
+          <a:p>
+            <a:r>
+              <a:rPr dirty="0"/>
+              <a:t>- Quantitative metrics:</a:t>
+            </a:r>
+          </a:p>
+          <a:p>
+            <a:r>
+              <a:rPr dirty="0"/>
+              <a:t>   • Resolution (FWHM)</a:t>
+            </a:r>
+          </a:p>
+          <a:p>
+            <a:r>
+              <a:rPr dirty="0"/>
+              <a:t>   • Contrast (</a:t>
+            </a:r>
+            <a:r>
+              <a:rPr dirty="0" err="1"/>
+              <a:t>gCNR</a:t>
+            </a:r>
+            <a:r>
+              <a:rPr dirty="0"/>
+              <a:t>)</a:t>
+            </a:r>
+          </a:p>
+          <a:p>
+            <a:r>
+              <a:rPr dirty="0"/>
+              <a:t>   • Background SNR</a:t>
+            </a:r>
+          </a:p>
+          <a:p>
+            <a:r>
+              <a:rPr dirty="0"/>
+              <a:t>- In-vivo validation confirms feasibility and generalization</a:t>
+            </a:r>
+          </a:p>
+        </p:txBody>
+      </p:sp>
+    </p:spTree>
+    <p:extLst>
+      <p:ext uri="{BB962C8B-B14F-4D97-AF65-F5344CB8AC3E}">
+        <p14:creationId xmlns:p14="http://schemas.microsoft.com/office/powerpoint/2010/main" val="3525676253"/>
+      </p:ext>
+    </p:extLst>
+  </p:cSld>
+  <p:clrMapOvr>
+    <a:masterClrMapping/>
+  </p:clrMapOvr>
+</p:sld>
+</file>
+
+<file path=ppt/slides/slide26.xml><?xml version="1.0" encoding="utf-8"?>
+<p:sld xmlns:a="http://schemas.openxmlformats.org/drawingml/2006/main" xmlns:r="http://schemas.openxmlformats.org/officeDocument/2006/relationships" xmlns:p="http://schemas.openxmlformats.org/presentationml/2006/main">
+  <p:cSld>
+    <p:spTree>
+      <p:nvGrpSpPr>
+        <p:cNvPr id="1" name=""/>
+        <p:cNvGrpSpPr/>
+        <p:nvPr/>
+      </p:nvGrpSpPr>
+      <p:grpSpPr>
+        <a:xfrm>
+          <a:off x="0" y="0"/>
+          <a:ext cx="0" cy="0"/>
+          <a:chOff x="0" y="0"/>
+          <a:chExt cx="0" cy="0"/>
+        </a:xfrm>
+      </p:grpSpPr>
+      <p:sp>
+        <p:nvSpPr>
           <p:cNvPr id="2" name="Title 1"/>
           <p:cNvSpPr>
             <a:spLocks noGrp="1"/>
@@ -4623,6 +5645,40 @@
             <a:r>
               <a:rPr dirty="0"/>
               <a:t>- Promising for enhancing single-plane-wave ultrasound imaging</a:t>
+            </a:r>
+          </a:p>
+        </p:txBody>
+      </p:sp>
+      <p:sp>
+        <p:nvSpPr>
+          <p:cNvPr id="4" name="Rectangle 3">
+            <a:extLst>
+              <a:ext uri="{FF2B5EF4-FFF2-40B4-BE49-F238E27FC236}">
+                <a16:creationId xmlns:a16="http://schemas.microsoft.com/office/drawing/2014/main" id="{29C3D2B7-11F7-AE07-AE87-5C15D2227389}"/>
+              </a:ext>
+            </a:extLst>
+          </p:cNvPr>
+          <p:cNvSpPr/>
+          <p:nvPr/>
+        </p:nvSpPr>
+        <p:spPr>
+          <a:xfrm>
+            <a:off x="4453217" y="3244334"/>
+            <a:ext cx="237566" cy="369332"/>
+          </a:xfrm>
+          <a:prstGeom prst="rect">
+            <a:avLst/>
+          </a:prstGeom>
+        </p:spPr>
+        <p:txBody>
+          <a:bodyPr wrap="none">
+            <a:spAutoFit/>
+          </a:bodyPr>
+          <a:lstStyle/>
+          <a:p>
+            <a:r>
+              <a:rPr lang="en-IN" dirty="0"/>
+              <a:t> </a:t>
             </a:r>
           </a:p>
         </p:txBody>
@@ -4659,7 +5715,13 @@
       </p:grpSpPr>
       <p:sp>
         <p:nvSpPr>
-          <p:cNvPr id="2" name="Title 1"/>
+          <p:cNvPr id="2" name="Title 1">
+            <a:extLst>
+              <a:ext uri="{FF2B5EF4-FFF2-40B4-BE49-F238E27FC236}">
+                <a16:creationId xmlns:a16="http://schemas.microsoft.com/office/drawing/2014/main" id="{DF14E9B8-9E68-F98A-092A-5DF96BDAB4F8}"/>
+              </a:ext>
+            </a:extLst>
+          </p:cNvPr>
           <p:cNvSpPr>
             <a:spLocks noGrp="1"/>
           </p:cNvSpPr>
@@ -4672,15 +5734,19 @@
           <a:bodyPr/>
           <a:lstStyle/>
           <a:p>
-            <a:r>
-              <a:t>Background on DDPM</a:t>
-            </a:r>
-          </a:p>
-        </p:txBody>
-      </p:sp>
-      <p:sp>
-        <p:nvSpPr>
-          <p:cNvPr id="3" name="Content Placeholder 2"/>
+            <a:endParaRPr lang="en-IN"/>
+          </a:p>
+        </p:txBody>
+      </p:sp>
+      <p:sp>
+        <p:nvSpPr>
+          <p:cNvPr id="3" name="Content Placeholder 2">
+            <a:extLst>
+              <a:ext uri="{FF2B5EF4-FFF2-40B4-BE49-F238E27FC236}">
+                <a16:creationId xmlns:a16="http://schemas.microsoft.com/office/drawing/2014/main" id="{FEF92D63-9192-B796-1CA1-19E19474DB4C}"/>
+              </a:ext>
+            </a:extLst>
+          </p:cNvPr>
           <p:cNvSpPr>
             <a:spLocks noGrp="1"/>
           </p:cNvSpPr>
@@ -4693,38 +5759,46 @@
           <a:bodyPr/>
           <a:lstStyle/>
           <a:p>
-            <a:r>
-              <a:t>- DDPM learns to gradually denoise images</a:t>
-            </a:r>
-          </a:p>
-          <a:p>
-            <a:r>
-              <a:t>- Two main steps:</a:t>
-            </a:r>
-          </a:p>
-          <a:p>
-            <a:r>
-              <a:t>   • Forward process: Add Gaussian noise step-by-step</a:t>
-            </a:r>
-          </a:p>
-          <a:p>
-            <a:r>
-              <a:t>   • Inverse process: Iteratively remove noise</a:t>
-            </a:r>
-          </a:p>
-          <a:p>
-            <a:r>
-              <a:t>- Modeled as a Markov chain</a:t>
-            </a:r>
-          </a:p>
-          <a:p>
-            <a:r>
-              <a:t>- Neural network predicts noise at each timestep</a:t>
-            </a:r>
-          </a:p>
-        </p:txBody>
-      </p:sp>
+            <a:endParaRPr lang="en-IN"/>
+          </a:p>
+        </p:txBody>
+      </p:sp>
+      <p:pic>
+        <p:nvPicPr>
+          <p:cNvPr id="5" name="Picture 4">
+            <a:extLst>
+              <a:ext uri="{FF2B5EF4-FFF2-40B4-BE49-F238E27FC236}">
+                <a16:creationId xmlns:a16="http://schemas.microsoft.com/office/drawing/2014/main" id="{D63FF9E5-F42E-412C-7BFC-04EC57222429}"/>
+              </a:ext>
+            </a:extLst>
+          </p:cNvPr>
+          <p:cNvPicPr>
+            <a:picLocks noChangeAspect="1"/>
+          </p:cNvPicPr>
+          <p:nvPr/>
+        </p:nvPicPr>
+        <p:blipFill>
+          <a:blip r:embed="rId2"/>
+          <a:stretch>
+            <a:fillRect/>
+          </a:stretch>
+        </p:blipFill>
+        <p:spPr>
+          <a:xfrm>
+            <a:off x="245802" y="1319667"/>
+            <a:ext cx="8652395" cy="3938133"/>
+          </a:xfrm>
+          <a:prstGeom prst="rect">
+            <a:avLst/>
+          </a:prstGeom>
+        </p:spPr>
+      </p:pic>
     </p:spTree>
+    <p:extLst>
+      <p:ext uri="{BB962C8B-B14F-4D97-AF65-F5344CB8AC3E}">
+        <p14:creationId xmlns:p14="http://schemas.microsoft.com/office/powerpoint/2010/main" val="259144896"/>
+      </p:ext>
+    </p:extLst>
   </p:cSld>
   <p:clrMapOvr>
     <a:masterClrMapping/>
@@ -4765,7 +5839,7 @@
           <a:lstStyle/>
           <a:p>
             <a:r>
-              <a:t>Model Architecture</a:t>
+              <a:t>Background on DDPM</a:t>
             </a:r>
           </a:p>
         </p:txBody>
@@ -4780,51 +5854,38 @@
             <p:ph idx="1"/>
           </p:nvPr>
         </p:nvSpPr>
-        <p:spPr>
-          <a:xfrm>
-            <a:off x="457200" y="1317172"/>
-            <a:ext cx="8229600" cy="4525963"/>
-          </a:xfrm>
-        </p:spPr>
-        <p:txBody>
-          <a:bodyPr>
-            <a:normAutofit fontScale="92500"/>
-          </a:bodyPr>
-          <a:lstStyle/>
-          <a:p>
-            <a:r>
-              <a:rPr dirty="0"/>
-              <a:t>- Backbone: U-Net</a:t>
-            </a:r>
-          </a:p>
-          <a:p>
-            <a:r>
-              <a:rPr dirty="0"/>
-              <a:t>- Time embedding added to inject timestep info</a:t>
-            </a:r>
-          </a:p>
-          <a:p>
-            <a:r>
-              <a:rPr dirty="0"/>
-              <a:t>- Contracting path: progressively encodes features</a:t>
-            </a:r>
-          </a:p>
-          <a:p>
-            <a:r>
-              <a:rPr dirty="0"/>
-              <a:t>- Expanding path: reconstructs denoised image</a:t>
-            </a:r>
-          </a:p>
-          <a:p>
-            <a:r>
-              <a:rPr dirty="0"/>
-              <a:t>- Skip connections preserve spatial details</a:t>
-            </a:r>
-          </a:p>
-          <a:p>
-            <a:r>
-              <a:rPr dirty="0"/>
-              <a:t>- Architecture designed to capture both global context and fine speckle details</a:t>
+        <p:spPr/>
+        <p:txBody>
+          <a:bodyPr/>
+          <a:lstStyle/>
+          <a:p>
+            <a:r>
+              <a:t>- DDPM learns to gradually denoise images</a:t>
+            </a:r>
+          </a:p>
+          <a:p>
+            <a:r>
+              <a:t>- Two main steps:</a:t>
+            </a:r>
+          </a:p>
+          <a:p>
+            <a:r>
+              <a:t>   • Forward process: Add Gaussian noise step-by-step</a:t>
+            </a:r>
+          </a:p>
+          <a:p>
+            <a:r>
+              <a:t>   • Inverse process: Iteratively remove noise</a:t>
+            </a:r>
+          </a:p>
+          <a:p>
+            <a:r>
+              <a:t>- Modeled as a Markov chain</a:t>
+            </a:r>
+          </a:p>
+          <a:p>
+            <a:r>
+              <a:t>- Neural network predicts noise at each timestep</a:t>
             </a:r>
           </a:p>
         </p:txBody>
@@ -4864,84 +5925,72 @@
             <p:ph type="title"/>
           </p:nvPr>
         </p:nvSpPr>
+        <p:spPr/>
+        <p:txBody>
+          <a:bodyPr/>
+          <a:lstStyle/>
+          <a:p>
+            <a:r>
+              <a:t>Model Architecture</a:t>
+            </a:r>
+          </a:p>
+        </p:txBody>
+      </p:sp>
+      <p:sp>
+        <p:nvSpPr>
+          <p:cNvPr id="3" name="Content Placeholder 2"/>
+          <p:cNvSpPr>
+            <a:spLocks noGrp="1"/>
+          </p:cNvSpPr>
+          <p:nvPr>
+            <p:ph idx="1"/>
+          </p:nvPr>
+        </p:nvSpPr>
         <p:spPr>
           <a:xfrm>
-            <a:off x="457200" y="160337"/>
-            <a:ext cx="8229600" cy="1143000"/>
-          </a:xfrm>
-        </p:spPr>
-        <p:txBody>
-          <a:bodyPr/>
-          <a:lstStyle/>
-          <a:p>
-            <a:r>
-              <a:rPr dirty="0"/>
-              <a:t>Input Data &amp; Beamforming</a:t>
-            </a:r>
-          </a:p>
-        </p:txBody>
-      </p:sp>
-      <p:sp>
-        <p:nvSpPr>
-          <p:cNvPr id="3" name="Content Placeholder 2"/>
-          <p:cNvSpPr>
-            <a:spLocks noGrp="1"/>
-          </p:cNvSpPr>
-          <p:nvPr>
-            <p:ph idx="1"/>
-          </p:nvPr>
-        </p:nvSpPr>
-        <p:spPr>
-          <a:xfrm>
-            <a:off x="457200" y="1303337"/>
+            <a:off x="457200" y="1317172"/>
             <a:ext cx="8229600" cy="4525963"/>
           </a:xfrm>
         </p:spPr>
         <p:txBody>
           <a:bodyPr>
-            <a:normAutofit fontScale="85000" lnSpcReduction="20000"/>
+            <a:normAutofit fontScale="92500"/>
           </a:bodyPr>
           <a:lstStyle/>
           <a:p>
             <a:r>
               <a:rPr dirty="0"/>
-              <a:t>- Input to model: Beamformed RF data (not raw channel data)</a:t>
-            </a:r>
-          </a:p>
-          <a:p>
-            <a:r>
-              <a:rPr dirty="0"/>
-              <a:t>- RF data:</a:t>
-            </a:r>
-          </a:p>
-          <a:p>
-            <a:r>
-              <a:rPr dirty="0"/>
-              <a:t>   • Acquired from piezoelectric elements after reflection</a:t>
-            </a:r>
-          </a:p>
-          <a:p>
-            <a:r>
-              <a:rPr dirty="0"/>
-              <a:t>   • Contains Gaussian noise from sensors &amp; acquisition hardware</a:t>
-            </a:r>
-          </a:p>
-          <a:p>
-            <a:r>
-              <a:rPr dirty="0"/>
-              <a:t>- Envelope detection + log compression → B-mode images</a:t>
-            </a:r>
-          </a:p>
-          <a:p>
-            <a:r>
-              <a:rPr dirty="0"/>
-              <a:t>- Diffusion model applied on beamformed images</a:t>
-            </a:r>
-          </a:p>
-          <a:p>
-            <a:r>
-              <a:rPr dirty="0"/>
-              <a:t>- Beamforming (Delay-and-Sum) done before denoising</a:t>
+              <a:t>- Backbone: U-Net</a:t>
+            </a:r>
+          </a:p>
+          <a:p>
+            <a:r>
+              <a:rPr dirty="0"/>
+              <a:t>- Time embedding added to inject timestep info</a:t>
+            </a:r>
+          </a:p>
+          <a:p>
+            <a:r>
+              <a:rPr dirty="0"/>
+              <a:t>- Contracting path: progressively encodes features</a:t>
+            </a:r>
+          </a:p>
+          <a:p>
+            <a:r>
+              <a:rPr dirty="0"/>
+              <a:t>- Expanding path: reconstructs denoised image</a:t>
+            </a:r>
+          </a:p>
+          <a:p>
+            <a:r>
+              <a:rPr dirty="0"/>
+              <a:t>- Skip connections preserve spatial details</a:t>
+            </a:r>
+          </a:p>
+          <a:p>
+            <a:r>
+              <a:rPr dirty="0"/>
+              <a:t>- Architecture designed to capture both global context and fine speckle details</a:t>
             </a:r>
           </a:p>
         </p:txBody>
@@ -4973,7 +6022,13 @@
       </p:grpSpPr>
       <p:sp>
         <p:nvSpPr>
-          <p:cNvPr id="2" name="Title 1"/>
+          <p:cNvPr id="2" name="Title 1">
+            <a:extLst>
+              <a:ext uri="{FF2B5EF4-FFF2-40B4-BE49-F238E27FC236}">
+                <a16:creationId xmlns:a16="http://schemas.microsoft.com/office/drawing/2014/main" id="{110952EA-2F9B-C820-3E10-7C21B898D31F}"/>
+              </a:ext>
+            </a:extLst>
+          </p:cNvPr>
           <p:cNvSpPr>
             <a:spLocks noGrp="1"/>
           </p:cNvSpPr>
@@ -4986,71 +6041,45 @@
           <a:bodyPr/>
           <a:lstStyle/>
           <a:p>
-            <a:r>
-              <a:t>Experimental Setup</a:t>
-            </a:r>
-          </a:p>
-        </p:txBody>
-      </p:sp>
-      <p:sp>
-        <p:nvSpPr>
-          <p:cNvPr id="3" name="Content Placeholder 2"/>
-          <p:cNvSpPr>
-            <a:spLocks noGrp="1"/>
-          </p:cNvSpPr>
+            <a:endParaRPr lang="en-IN"/>
+          </a:p>
+        </p:txBody>
+      </p:sp>
+      <p:pic>
+        <p:nvPicPr>
+          <p:cNvPr id="5" name="Content Placeholder 4">
+            <a:extLst>
+              <a:ext uri="{FF2B5EF4-FFF2-40B4-BE49-F238E27FC236}">
+                <a16:creationId xmlns:a16="http://schemas.microsoft.com/office/drawing/2014/main" id="{4FE38563-5F1A-63AF-BDFB-578152D5217E}"/>
+              </a:ext>
+            </a:extLst>
+          </p:cNvPr>
+          <p:cNvPicPr>
+            <a:picLocks noGrp="1" noChangeAspect="1"/>
+          </p:cNvPicPr>
           <p:nvPr>
             <p:ph idx="1"/>
           </p:nvPr>
-        </p:nvSpPr>
-        <p:spPr/>
-        <p:txBody>
-          <a:bodyPr>
-            <a:normAutofit lnSpcReduction="10000"/>
-          </a:bodyPr>
-          <a:lstStyle/>
-          <a:p>
-            <a:r>
-              <a:t>- Datasets:</a:t>
-            </a:r>
-          </a:p>
-          <a:p>
-            <a:r>
-              <a:t>   • CIFAR-10: Pre-training</a:t>
-            </a:r>
-          </a:p>
-          <a:p>
-            <a:r>
-              <a:t>   • CUBDL: Ultrasound fine-tuning</a:t>
-            </a:r>
-          </a:p>
-          <a:p>
-            <a:r>
-              <a:t>- Training:</a:t>
-            </a:r>
-          </a:p>
-          <a:p>
-            <a:r>
-              <a:t>   • Batch size: 32, Epochs: 200</a:t>
-            </a:r>
-          </a:p>
-          <a:p>
-            <a:r>
-              <a:t>   • Optimizer: Adam</a:t>
-            </a:r>
-          </a:p>
-          <a:p>
-            <a:r>
-              <a:t>   • Loss: MSE</a:t>
-            </a:r>
-          </a:p>
-          <a:p>
-            <a:r>
-              <a:t>- Hardware: NVIDIA Tesla A100 (40 GB)</a:t>
-            </a:r>
-          </a:p>
-        </p:txBody>
-      </p:sp>
+        </p:nvPicPr>
+        <p:blipFill>
+          <a:blip r:embed="rId2"/>
+          <a:stretch>
+            <a:fillRect/>
+          </a:stretch>
+        </p:blipFill>
+        <p:spPr>
+          <a:xfrm>
+            <a:off x="304799" y="1028699"/>
+            <a:ext cx="8534401" cy="4800601"/>
+          </a:xfrm>
+        </p:spPr>
+      </p:pic>
     </p:spTree>
+    <p:extLst>
+      <p:ext uri="{BB962C8B-B14F-4D97-AF65-F5344CB8AC3E}">
+        <p14:creationId xmlns:p14="http://schemas.microsoft.com/office/powerpoint/2010/main" val="519060356"/>
+      </p:ext>
+    </p:extLst>
   </p:cSld>
   <p:clrMapOvr>
     <a:masterClrMapping/>
@@ -5085,13 +6114,19 @@
             <p:ph type="title"/>
           </p:nvPr>
         </p:nvSpPr>
-        <p:spPr/>
-        <p:txBody>
-          <a:bodyPr/>
-          <a:lstStyle/>
-          <a:p>
-            <a:r>
-              <a:t>Forward Process</a:t>
+        <p:spPr>
+          <a:xfrm>
+            <a:off x="457200" y="160337"/>
+            <a:ext cx="8229600" cy="1143000"/>
+          </a:xfrm>
+        </p:spPr>
+        <p:txBody>
+          <a:bodyPr/>
+          <a:lstStyle/>
+          <a:p>
+            <a:r>
+              <a:rPr dirty="0"/>
+              <a:t>Input Data &amp; Beamforming</a:t>
             </a:r>
           </a:p>
         </p:txBody>
@@ -5106,33 +6141,57 @@
             <p:ph idx="1"/>
           </p:nvPr>
         </p:nvSpPr>
-        <p:spPr/>
-        <p:txBody>
-          <a:bodyPr/>
-          <a:lstStyle/>
-          <a:p>
-            <a:r>
-              <a:t>- Add small Gaussian noise at each timestep</a:t>
-            </a:r>
-          </a:p>
-          <a:p>
-            <a:r>
-              <a:t>- After T steps, image becomes pure noise</a:t>
-            </a:r>
-          </a:p>
-          <a:p>
-            <a:r>
-              <a:t>- Mathematical formulation:</a:t>
-            </a:r>
-          </a:p>
-          <a:p>
-            <a:r>
-              <a:t>   xt = sqrt(αt) x0 + sqrt(1-αt) ε</a:t>
-            </a:r>
-          </a:p>
-          <a:p>
-            <a:r>
-              <a:t>- Defines how noisy images are generated</a:t>
+        <p:spPr>
+          <a:xfrm>
+            <a:off x="457200" y="1303337"/>
+            <a:ext cx="8229600" cy="4525963"/>
+          </a:xfrm>
+        </p:spPr>
+        <p:txBody>
+          <a:bodyPr>
+            <a:normAutofit fontScale="85000" lnSpcReduction="20000"/>
+          </a:bodyPr>
+          <a:lstStyle/>
+          <a:p>
+            <a:r>
+              <a:rPr dirty="0"/>
+              <a:t>- Input to model: Beamformed RF data (not raw channel data)</a:t>
+            </a:r>
+          </a:p>
+          <a:p>
+            <a:r>
+              <a:rPr dirty="0"/>
+              <a:t>- RF data:</a:t>
+            </a:r>
+          </a:p>
+          <a:p>
+            <a:r>
+              <a:rPr dirty="0"/>
+              <a:t>   • Acquired from piezoelectric elements after reflection</a:t>
+            </a:r>
+          </a:p>
+          <a:p>
+            <a:r>
+              <a:rPr dirty="0"/>
+              <a:t>   • Contains Gaussian noise from sensors &amp; acquisition hardware</a:t>
+            </a:r>
+          </a:p>
+          <a:p>
+            <a:r>
+              <a:rPr dirty="0"/>
+              <a:t>- Envelope detection + log compression → B-mode images</a:t>
+            </a:r>
+          </a:p>
+          <a:p>
+            <a:r>
+              <a:rPr dirty="0"/>
+              <a:t>- Diffusion model applied on beamformed images</a:t>
+            </a:r>
+          </a:p>
+          <a:p>
+            <a:r>
+              <a:rPr dirty="0"/>
+              <a:t>- Beamforming (Delay-and-Sum) done before denoising</a:t>
             </a:r>
           </a:p>
         </p:txBody>
@@ -5178,7 +6237,7 @@
           <a:lstStyle/>
           <a:p>
             <a:r>
-              <a:t>Forward Process Equation</a:t>
+              <a:t>Experimental Setup</a:t>
             </a:r>
           </a:p>
         </p:txBody>
@@ -5201,38 +6260,42 @@
           <a:lstStyle/>
           <a:p>
             <a:r>
-              <a:t>Noise addition in forward process:</a:t>
-            </a:r>
-          </a:p>
-          <a:p>
-            <a:endParaRPr/>
-          </a:p>
-          <a:p>
-            <a:r>
-              <a:t>xt = sqrt(αt) * x0 + sqrt(1 - αt) * ε</a:t>
-            </a:r>
-          </a:p>
-          <a:p>
-            <a:endParaRPr/>
-          </a:p>
-          <a:p>
-            <a:r>
-              <a:t>- x0: Original clean image</a:t>
-            </a:r>
-          </a:p>
-          <a:p>
-            <a:r>
-              <a:t>- xt: Noisy image at step t</a:t>
-            </a:r>
-          </a:p>
-          <a:p>
-            <a:r>
-              <a:t>- αt: Noise scheduling parameter</a:t>
-            </a:r>
-          </a:p>
-          <a:p>
-            <a:r>
-              <a:t>- ε: Gaussian noise</a:t>
+              <a:t>- Datasets:</a:t>
+            </a:r>
+          </a:p>
+          <a:p>
+            <a:r>
+              <a:t>   • CIFAR-10: Pre-training</a:t>
+            </a:r>
+          </a:p>
+          <a:p>
+            <a:r>
+              <a:t>   • CUBDL: Ultrasound fine-tuning</a:t>
+            </a:r>
+          </a:p>
+          <a:p>
+            <a:r>
+              <a:t>- Training:</a:t>
+            </a:r>
+          </a:p>
+          <a:p>
+            <a:r>
+              <a:t>   • Batch size: 32, Epochs: 200</a:t>
+            </a:r>
+          </a:p>
+          <a:p>
+            <a:r>
+              <a:t>   • Optimizer: Adam</a:t>
+            </a:r>
+          </a:p>
+          <a:p>
+            <a:r>
+              <a:t>   • Loss: MSE</a:t>
+            </a:r>
+          </a:p>
+          <a:p>
+            <a:r>
+              <a:t>- Hardware: NVIDIA Tesla A100 (40 GB)</a:t>
             </a:r>
           </a:p>
         </p:txBody>
@@ -5278,7 +6341,7 @@
           <a:lstStyle/>
           <a:p>
             <a:r>
-              <a:t>Inverse (Backward) Process</a:t>
+              <a:t>Forward Process</a:t>
             </a:r>
           </a:p>
         </p:txBody>
@@ -5299,22 +6362,21 @@
           <a:lstStyle/>
           <a:p>
             <a:r>
-              <a:t>- Train a neural network to predict added noise</a:t>
-            </a:r>
-          </a:p>
-          <a:p>
-            <a:r>
-              <a:t>- Iteratively refine noisy image towards clean image</a:t>
-            </a:r>
-          </a:p>
-          <a:p>
-            <a:r>
-              <a:t>- Uses a U-Net + time embedding architecture</a:t>
-            </a:r>
-          </a:p>
-          <a:p>
-            <a:r>
-              <a:t>- Runs for T steps to recover denoised image</a:t>
+              <a:rPr dirty="0"/>
+              <a:t>- Add small Gaussian noise at each timestep</a:t>
+            </a:r>
+          </a:p>
+          <a:p>
+            <a:r>
+              <a:rPr dirty="0"/>
+              <a:t>- After T steps, image becomes pure noise</a:t>
+            </a:r>
+            <a:endParaRPr lang="en-IN" dirty="0"/>
+          </a:p>
+          <a:p>
+            <a:r>
+              <a:rPr dirty="0"/>
+              <a:t>- Defines how noisy images are generated</a:t>
             </a:r>
           </a:p>
         </p:txBody>
@@ -5645,4 +6707,334 @@
   </a:objectDefaults>
   <a:extraClrSchemeLst/>
 </a:theme>
+</file>
+
+<file path=ppt/theme/theme2.xml><?xml version="1.0" encoding="utf-8"?>
+<a:theme xmlns:a="http://schemas.openxmlformats.org/drawingml/2006/main" name="Office Theme">
+  <a:themeElements>
+    <a:clrScheme name="Office">
+      <a:dk1>
+        <a:sysClr val="windowText" lastClr="000000"/>
+      </a:dk1>
+      <a:lt1>
+        <a:sysClr val="window" lastClr="FFFFFF"/>
+      </a:lt1>
+      <a:dk2>
+        <a:srgbClr val="44546A"/>
+      </a:dk2>
+      <a:lt2>
+        <a:srgbClr val="E7E6E6"/>
+      </a:lt2>
+      <a:accent1>
+        <a:srgbClr val="4472C4"/>
+      </a:accent1>
+      <a:accent2>
+        <a:srgbClr val="ED7D31"/>
+      </a:accent2>
+      <a:accent3>
+        <a:srgbClr val="A5A5A5"/>
+      </a:accent3>
+      <a:accent4>
+        <a:srgbClr val="FFC000"/>
+      </a:accent4>
+      <a:accent5>
+        <a:srgbClr val="5B9BD5"/>
+      </a:accent5>
+      <a:accent6>
+        <a:srgbClr val="70AD47"/>
+      </a:accent6>
+      <a:hlink>
+        <a:srgbClr val="0563C1"/>
+      </a:hlink>
+      <a:folHlink>
+        <a:srgbClr val="954F72"/>
+      </a:folHlink>
+    </a:clrScheme>
+    <a:fontScheme name="Office">
+      <a:majorFont>
+        <a:latin typeface="Calibri Light" panose="020F0302020204030204"/>
+        <a:ea typeface=""/>
+        <a:cs typeface=""/>
+        <a:font script="Jpan" typeface="游ゴシック Light"/>
+        <a:font script="Hang" typeface="맑은 고딕"/>
+        <a:font script="Hans" typeface="等线 Light"/>
+        <a:font script="Hant" typeface="新細明體"/>
+        <a:font script="Arab" typeface="Times New Roman"/>
+        <a:font script="Hebr" typeface="Times New Roman"/>
+        <a:font script="Thai" typeface="Angsana New"/>
+        <a:font script="Ethi" typeface="Nyala"/>
+        <a:font script="Beng" typeface="Vrinda"/>
+        <a:font script="Gujr" typeface="Shruti"/>
+        <a:font script="Khmr" typeface="MoolBoran"/>
+        <a:font script="Knda" typeface="Tunga"/>
+        <a:font script="Guru" typeface="Raavi"/>
+        <a:font script="Cans" typeface="Euphemia"/>
+        <a:font script="Cher" typeface="Plantagenet Cherokee"/>
+        <a:font script="Yiii" typeface="Microsoft Yi Baiti"/>
+        <a:font script="Tibt" typeface="Microsoft Himalaya"/>
+        <a:font script="Thaa" typeface="MV Boli"/>
+        <a:font script="Deva" typeface="Mangal"/>
+        <a:font script="Telu" typeface="Gautami"/>
+        <a:font script="Taml" typeface="Latha"/>
+        <a:font script="Syrc" typeface="Estrangelo Edessa"/>
+        <a:font script="Orya" typeface="Kalinga"/>
+        <a:font script="Mlym" typeface="Kartika"/>
+        <a:font script="Laoo" typeface="DokChampa"/>
+        <a:font script="Sinh" typeface="Iskoola Pota"/>
+        <a:font script="Mong" typeface="Mongolian Baiti"/>
+        <a:font script="Viet" typeface="Times New Roman"/>
+        <a:font script="Uigh" typeface="Microsoft Uighur"/>
+        <a:font script="Geor" typeface="Sylfaen"/>
+        <a:font script="Armn" typeface="Arial"/>
+        <a:font script="Bugi" typeface="Leelawadee UI"/>
+        <a:font script="Bopo" typeface="Microsoft JhengHei"/>
+        <a:font script="Java" typeface="Javanese Text"/>
+        <a:font script="Lisu" typeface="Segoe UI"/>
+        <a:font script="Mymr" typeface="Myanmar Text"/>
+        <a:font script="Nkoo" typeface="Ebrima"/>
+        <a:font script="Olck" typeface="Nirmala UI"/>
+        <a:font script="Osma" typeface="Ebrima"/>
+        <a:font script="Phag" typeface="Phagspa"/>
+        <a:font script="Syrn" typeface="Estrangelo Edessa"/>
+        <a:font script="Syrj" typeface="Estrangelo Edessa"/>
+        <a:font script="Syre" typeface="Estrangelo Edessa"/>
+        <a:font script="Sora" typeface="Nirmala UI"/>
+        <a:font script="Tale" typeface="Microsoft Tai Le"/>
+        <a:font script="Talu" typeface="Microsoft New Tai Lue"/>
+        <a:font script="Tfng" typeface="Ebrima"/>
+      </a:majorFont>
+      <a:minorFont>
+        <a:latin typeface="Calibri" panose="020F0502020204030204"/>
+        <a:ea typeface=""/>
+        <a:cs typeface=""/>
+        <a:font script="Jpan" typeface="游ゴシック"/>
+        <a:font script="Hang" typeface="맑은 고딕"/>
+        <a:font script="Hans" typeface="等线"/>
+        <a:font script="Hant" typeface="新細明體"/>
+        <a:font script="Arab" typeface="Arial"/>
+        <a:font script="Hebr" typeface="Arial"/>
+        <a:font script="Thai" typeface="Cordia New"/>
+        <a:font script="Ethi" typeface="Nyala"/>
+        <a:font script="Beng" typeface="Vrinda"/>
+        <a:font script="Gujr" typeface="Shruti"/>
+        <a:font script="Khmr" typeface="DaunPenh"/>
+        <a:font script="Knda" typeface="Tunga"/>
+        <a:font script="Guru" typeface="Raavi"/>
+        <a:font script="Cans" typeface="Euphemia"/>
+        <a:font script="Cher" typeface="Plantagenet Cherokee"/>
+        <a:font script="Yiii" typeface="Microsoft Yi Baiti"/>
+        <a:font script="Tibt" typeface="Microsoft Himalaya"/>
+        <a:font script="Thaa" typeface="MV Boli"/>
+        <a:font script="Deva" typeface="Mangal"/>
+        <a:font script="Telu" typeface="Gautami"/>
+        <a:font script="Taml" typeface="Latha"/>
+        <a:font script="Syrc" typeface="Estrangelo Edessa"/>
+        <a:font script="Orya" typeface="Kalinga"/>
+        <a:font script="Mlym" typeface="Kartika"/>
+        <a:font script="Laoo" typeface="DokChampa"/>
+        <a:font script="Sinh" typeface="Iskoola Pota"/>
+        <a:font script="Mong" typeface="Mongolian Baiti"/>
+        <a:font script="Viet" typeface="Arial"/>
+        <a:font script="Uigh" typeface="Microsoft Uighur"/>
+        <a:font script="Geor" typeface="Sylfaen"/>
+        <a:font script="Armn" typeface="Arial"/>
+        <a:font script="Bugi" typeface="Leelawadee UI"/>
+        <a:font script="Bopo" typeface="Microsoft JhengHei"/>
+        <a:font script="Java" typeface="Javanese Text"/>
+        <a:font script="Lisu" typeface="Segoe UI"/>
+        <a:font script="Mymr" typeface="Myanmar Text"/>
+        <a:font script="Nkoo" typeface="Ebrima"/>
+        <a:font script="Olck" typeface="Nirmala UI"/>
+        <a:font script="Osma" typeface="Ebrima"/>
+        <a:font script="Phag" typeface="Phagspa"/>
+        <a:font script="Syrn" typeface="Estrangelo Edessa"/>
+        <a:font script="Syrj" typeface="Estrangelo Edessa"/>
+        <a:font script="Syre" typeface="Estrangelo Edessa"/>
+        <a:font script="Sora" typeface="Nirmala UI"/>
+        <a:font script="Tale" typeface="Microsoft Tai Le"/>
+        <a:font script="Talu" typeface="Microsoft New Tai Lue"/>
+        <a:font script="Tfng" typeface="Ebrima"/>
+      </a:minorFont>
+    </a:fontScheme>
+    <a:fmtScheme name="Office">
+      <a:fillStyleLst>
+        <a:solidFill>
+          <a:schemeClr val="phClr"/>
+        </a:solidFill>
+        <a:gradFill rotWithShape="1">
+          <a:gsLst>
+            <a:gs pos="0">
+              <a:schemeClr val="phClr">
+                <a:lumMod val="110000"/>
+                <a:satMod val="105000"/>
+                <a:tint val="67000"/>
+              </a:schemeClr>
+            </a:gs>
+            <a:gs pos="50000">
+              <a:schemeClr val="phClr">
+                <a:lumMod val="105000"/>
+                <a:satMod val="103000"/>
+                <a:tint val="73000"/>
+              </a:schemeClr>
+            </a:gs>
+            <a:gs pos="100000">
+              <a:schemeClr val="phClr">
+                <a:lumMod val="105000"/>
+                <a:satMod val="109000"/>
+                <a:tint val="81000"/>
+              </a:schemeClr>
+            </a:gs>
+          </a:gsLst>
+          <a:lin ang="5400000" scaled="0"/>
+        </a:gradFill>
+        <a:gradFill rotWithShape="1">
+          <a:gsLst>
+            <a:gs pos="0">
+              <a:schemeClr val="phClr">
+                <a:satMod val="103000"/>
+                <a:lumMod val="102000"/>
+                <a:tint val="94000"/>
+              </a:schemeClr>
+            </a:gs>
+            <a:gs pos="50000">
+              <a:schemeClr val="phClr">
+                <a:satMod val="110000"/>
+                <a:lumMod val="100000"/>
+                <a:shade val="100000"/>
+              </a:schemeClr>
+            </a:gs>
+            <a:gs pos="100000">
+              <a:schemeClr val="phClr">
+                <a:lumMod val="99000"/>
+                <a:satMod val="120000"/>
+                <a:shade val="78000"/>
+              </a:schemeClr>
+            </a:gs>
+          </a:gsLst>
+          <a:lin ang="5400000" scaled="0"/>
+        </a:gradFill>
+      </a:fillStyleLst>
+      <a:lnStyleLst>
+        <a:ln w="6350" cap="flat" cmpd="sng" algn="ctr">
+          <a:solidFill>
+            <a:schemeClr val="phClr"/>
+          </a:solidFill>
+          <a:prstDash val="solid"/>
+          <a:miter lim="800000"/>
+        </a:ln>
+        <a:ln w="12700" cap="flat" cmpd="sng" algn="ctr">
+          <a:solidFill>
+            <a:schemeClr val="phClr"/>
+          </a:solidFill>
+          <a:prstDash val="solid"/>
+          <a:miter lim="800000"/>
+        </a:ln>
+        <a:ln w="19050" cap="flat" cmpd="sng" algn="ctr">
+          <a:solidFill>
+            <a:schemeClr val="phClr"/>
+          </a:solidFill>
+          <a:prstDash val="solid"/>
+          <a:miter lim="800000"/>
+        </a:ln>
+      </a:lnStyleLst>
+      <a:effectStyleLst>
+        <a:effectStyle>
+          <a:effectLst/>
+        </a:effectStyle>
+        <a:effectStyle>
+          <a:effectLst/>
+        </a:effectStyle>
+        <a:effectStyle>
+          <a:effectLst>
+            <a:outerShdw blurRad="57150" dist="19050" dir="5400000" algn="ctr" rotWithShape="0">
+              <a:srgbClr val="000000">
+                <a:alpha val="63000"/>
+              </a:srgbClr>
+            </a:outerShdw>
+          </a:effectLst>
+        </a:effectStyle>
+      </a:effectStyleLst>
+      <a:bgFillStyleLst>
+        <a:solidFill>
+          <a:schemeClr val="phClr"/>
+        </a:solidFill>
+        <a:solidFill>
+          <a:schemeClr val="phClr">
+            <a:tint val="95000"/>
+            <a:satMod val="170000"/>
+          </a:schemeClr>
+        </a:solidFill>
+        <a:gradFill rotWithShape="1">
+          <a:gsLst>
+            <a:gs pos="0">
+              <a:schemeClr val="phClr">
+                <a:tint val="93000"/>
+                <a:satMod val="150000"/>
+                <a:shade val="98000"/>
+                <a:lumMod val="102000"/>
+              </a:schemeClr>
+            </a:gs>
+            <a:gs pos="50000">
+              <a:schemeClr val="phClr">
+                <a:tint val="98000"/>
+                <a:satMod val="130000"/>
+                <a:shade val="90000"/>
+                <a:lumMod val="103000"/>
+              </a:schemeClr>
+            </a:gs>
+            <a:gs pos="100000">
+              <a:schemeClr val="phClr">
+                <a:shade val="63000"/>
+                <a:satMod val="120000"/>
+              </a:schemeClr>
+            </a:gs>
+          </a:gsLst>
+          <a:lin ang="5400000" scaled="0"/>
+        </a:gradFill>
+      </a:bgFillStyleLst>
+    </a:fmtScheme>
+  </a:themeElements>
+  <a:objectDefaults/>
+  <a:extraClrSchemeLst/>
+  <a:extLst>
+    <a:ext uri="{05A4C25C-085E-4340-85A3-A5531E510DB2}">
+      <thm15:themeFamily xmlns:thm15="http://schemas.microsoft.com/office/thememl/2012/main" name="Office Theme" id="{62F939B6-93AF-4DB8-9C6B-D6C7DFDC589F}" vid="{4A3C46E8-61CC-4603-A589-7422A47A8E4A}"/>
+    </a:ext>
+  </a:extLst>
+</a:theme>
+</file>
+
+<file path=ppt/webextensions/taskpanes.xml><?xml version="1.0" encoding="utf-8"?>
+<wetp:taskpanes xmlns:wetp="http://schemas.microsoft.com/office/webextensions/taskpanes/2010/11">
+  <wetp:taskpane dockstate="right" visibility="0" width="525" row="3">
+    <wetp:webextensionref xmlns:r="http://schemas.openxmlformats.org/officeDocument/2006/relationships" r:id="rId1"/>
+  </wetp:taskpane>
+  <wetp:taskpane dockstate="right" visibility="0" width="525" row="4">
+    <wetp:webextensionref xmlns:r="http://schemas.openxmlformats.org/officeDocument/2006/relationships" r:id="rId2"/>
+  </wetp:taskpane>
+</wetp:taskpanes>
+</file>
+
+<file path=ppt/webextensions/webextension1.xml><?xml version="1.0" encoding="utf-8"?>
+<we:webextension xmlns:we="http://schemas.microsoft.com/office/webextensions/webextension/2010/11" id="{A39A1A57-E49B-43B1-B1E2-FA3C9E05C4B9}">
+  <we:reference id="wa200005566" version="3.0.0.3" store="en-US" storeType="OMEX"/>
+  <we:alternateReferences>
+    <we:reference id="wa200005566" version="3.0.0.3" store="wa200005566" storeType="OMEX"/>
+  </we:alternateReferences>
+  <we:properties/>
+  <we:bindings/>
+  <we:snapshot xmlns:r="http://schemas.openxmlformats.org/officeDocument/2006/relationships"/>
+</we:webextension>
+</file>
+
+<file path=ppt/webextensions/webextension2.xml><?xml version="1.0" encoding="utf-8"?>
+<we:webextension xmlns:we="http://schemas.microsoft.com/office/webextensions/webextension/2010/11" id="{F9061F06-60D6-4583-9EDC-C91F5887D553}">
+  <we:reference id="wa200005669" version="2.0.0.0" store="en-IN" storeType="OMEX"/>
+  <we:alternateReferences>
+    <we:reference id="WA200005669" version="2.0.0.0" store="" storeType="OMEX"/>
+  </we:alternateReferences>
+  <we:properties/>
+  <we:bindings/>
+  <we:snapshot xmlns:r="http://schemas.openxmlformats.org/officeDocument/2006/relationships"/>
+</we:webextension>
 </file>